--- a/新员工入职指引/信息技术部版本构建及发布过程.pptx
+++ b/新员工入职指引/信息技术部版本构建及发布过程.pptx
@@ -28686,14 +28686,6 @@
               </a:rPr>
               <a:t>信息技术部</a:t>
             </a:r>
-            <a:endParaRPr kumimoji="1" lang="zh-CN" altLang="en-US" sz="4800" b="1" dirty="0">
-              <a:solidFill>
-                <a:schemeClr val="accent1"/>
-              </a:solidFill>
-              <a:latin typeface="Microsoft YaHei" charset="0"/>
-              <a:ea typeface="Microsoft YaHei" charset="0"/>
-              <a:cs typeface="Microsoft YaHei" charset="0"/>
-            </a:endParaRPr>
           </a:p>
         </p:txBody>
       </p:sp>
@@ -29058,6 +29050,65 @@
           <a:bodyPr/>
           <a:lstStyle/>
           <a:p>
+            <a:r>
+              <a:rPr lang="zh-CN" altLang="en-US" dirty="0"/>
+              <a:t>质量</a:t>
+            </a:r>
+            <a:r>
+              <a:rPr lang="zh-CN" altLang="en-US" dirty="0" smtClean="0"/>
+              <a:t>与安全</a:t>
+            </a:r>
+            <a:endParaRPr lang="en-US" altLang="zh-CN" dirty="0" smtClean="0"/>
+          </a:p>
+          <a:p>
+            <a:r>
+              <a:rPr lang="zh-CN" altLang="en-US" dirty="0"/>
+              <a:t>管</a:t>
+            </a:r>
+            <a:r>
+              <a:rPr lang="zh-CN" altLang="en-US" dirty="0" smtClean="0"/>
+              <a:t>理审批</a:t>
+            </a:r>
+            <a:endParaRPr lang="en-US" altLang="zh-CN" dirty="0" smtClean="0"/>
+          </a:p>
+          <a:p>
+            <a:r>
+              <a:rPr lang="zh-CN" altLang="en-US" dirty="0"/>
+              <a:t>包</a:t>
+            </a:r>
+            <a:r>
+              <a:rPr lang="zh-CN" altLang="en-US" dirty="0" smtClean="0"/>
+              <a:t>含</a:t>
+            </a:r>
+            <a:endParaRPr lang="en-US" altLang="zh-CN" dirty="0" smtClean="0"/>
+          </a:p>
+          <a:p>
+            <a:r>
+              <a:rPr lang="zh-CN" altLang="en-US" dirty="0"/>
+              <a:t>安</a:t>
+            </a:r>
+            <a:r>
+              <a:rPr lang="zh-CN" altLang="en-US" dirty="0" smtClean="0"/>
+              <a:t>全</a:t>
+            </a:r>
+            <a:endParaRPr lang="en-US" altLang="zh-CN" dirty="0" smtClean="0"/>
+          </a:p>
+          <a:p>
+            <a:r>
+              <a:rPr lang="zh-CN" altLang="en-US" dirty="0"/>
+              <a:t>配置管</a:t>
+            </a:r>
+            <a:r>
+              <a:rPr lang="zh-CN" altLang="en-US" dirty="0" smtClean="0"/>
+              <a:t>理</a:t>
+            </a:r>
+            <a:endParaRPr lang="en-US" altLang="zh-CN" dirty="0" smtClean="0"/>
+          </a:p>
+          <a:p>
+            <a:r>
+              <a:rPr lang="zh-CN" altLang="en-US" dirty="0"/>
+              <a:t>测试</a:t>
+            </a:r>
             <a:endParaRPr lang="zh-CN" altLang="en-US" dirty="0"/>
           </a:p>
         </p:txBody>
@@ -29068,7 +29119,7 @@
           <p:cNvPicPr/>
           <p:nvPr/>
         </p:nvPicPr>
-        <p:blipFill>
+        <p:blipFill rotWithShape="1">
           <a:blip r:embed="rId2">
             <a:extLst>
               <a:ext uri="{28A0092B-C50C-407E-A947-70E740481C1C}">
@@ -29076,14 +29127,13 @@
               </a:ext>
             </a:extLst>
           </a:blip>
-          <a:stretch>
-            <a:fillRect/>
-          </a:stretch>
+          <a:srcRect l="4904" t="4931" r="3191" b="3038"/>
+          <a:stretch/>
         </p:blipFill>
         <p:spPr>
           <a:xfrm>
-            <a:off x="3059832" y="1052736"/>
-            <a:ext cx="5274310" cy="5302885"/>
+            <a:off x="3491880" y="1101686"/>
+            <a:ext cx="4847421" cy="4946573"/>
           </a:xfrm>
           <a:prstGeom prst="rect">
             <a:avLst/>
@@ -29322,14 +29372,6 @@
               </a:rPr>
               <a:t>归档</a:t>
             </a:r>
-            <a:endParaRPr kumimoji="1" lang="zh-CN" altLang="en-US" sz="6600" b="1" dirty="0">
-              <a:solidFill>
-                <a:srgbClr val="009FB8"/>
-              </a:solidFill>
-              <a:latin typeface="Microsoft YaHei" charset="0"/>
-              <a:ea typeface="Microsoft YaHei" charset="0"/>
-              <a:cs typeface="Microsoft YaHei" charset="0"/>
-            </a:endParaRPr>
           </a:p>
         </p:txBody>
       </p:sp>
@@ -29972,18 +30014,6 @@
                 </a:rPr>
                 <a:t>版本构建</a:t>
               </a:r>
-              <a:endParaRPr kumimoji="1" lang="zh-CN" altLang="en-US" sz="4400" b="1" i="0" u="none" strike="noStrike" kern="0" cap="none" spc="0" normalizeH="0" baseline="0" noProof="0" dirty="0" smtClean="0">
-                <a:ln>
-                  <a:noFill/>
-                </a:ln>
-                <a:solidFill>
-                  <a:schemeClr val="bg1"/>
-                </a:solidFill>
-                <a:effectLst/>
-                <a:uLnTx/>
-                <a:uFillTx/>
-                <a:ea typeface="微软雅黑" charset="0"/>
-              </a:endParaRPr>
             </a:p>
           </p:txBody>
         </p:sp>
@@ -30874,8 +30904,45 @@
           <a:p>
             <a:r>
               <a:rPr lang="zh-CN" altLang="en-US" dirty="0" smtClean="0"/>
-              <a:t>开发人员在本地环境进行构建</a:t>
-            </a:r>
+              <a:t>开发人员在本地环境进行构</a:t>
+            </a:r>
+            <a:r>
+              <a:rPr lang="zh-CN" altLang="en-US" dirty="0" smtClean="0"/>
+              <a:t>建</a:t>
+            </a:r>
+            <a:endParaRPr lang="en-US" altLang="zh-CN" dirty="0" smtClean="0"/>
+          </a:p>
+          <a:p>
+            <a:r>
+              <a:rPr lang="zh-CN" altLang="en-US" dirty="0"/>
+              <a:t>构</a:t>
+            </a:r>
+            <a:r>
+              <a:rPr lang="zh-CN" altLang="en-US" dirty="0" smtClean="0"/>
+              <a:t>建工具</a:t>
+            </a:r>
+            <a:endParaRPr lang="en-US" altLang="zh-CN" dirty="0" smtClean="0"/>
+          </a:p>
+          <a:p>
+            <a:r>
+              <a:rPr lang="en-US" altLang="zh-CN" dirty="0" smtClean="0"/>
+              <a:t>Maven</a:t>
+            </a:r>
+          </a:p>
+          <a:p>
+            <a:r>
+              <a:rPr lang="en-US" altLang="zh-CN" dirty="0" smtClean="0"/>
+              <a:t>Ant</a:t>
+            </a:r>
+          </a:p>
+          <a:p>
+            <a:r>
+              <a:rPr lang="en-US" altLang="zh-CN" dirty="0" err="1" smtClean="0"/>
+              <a:t>Gradle</a:t>
+            </a:r>
+            <a:endParaRPr lang="en-US" altLang="zh-CN" dirty="0" smtClean="0"/>
+          </a:p>
+          <a:p>
             <a:endParaRPr lang="zh-CN" altLang="en-US" dirty="0"/>
           </a:p>
         </p:txBody>
@@ -31141,14 +31208,6 @@
               </a:rPr>
               <a:t>发布周期</a:t>
             </a:r>
-            <a:endParaRPr kumimoji="1" lang="zh-CN" altLang="en-US" sz="6600" b="1" dirty="0">
-              <a:solidFill>
-                <a:srgbClr val="009FB8"/>
-              </a:solidFill>
-              <a:latin typeface="Microsoft YaHei" charset="0"/>
-              <a:ea typeface="Microsoft YaHei" charset="0"/>
-              <a:cs typeface="Microsoft YaHei" charset="0"/>
-            </a:endParaRPr>
           </a:p>
         </p:txBody>
       </p:sp>
@@ -31380,38 +31439,8 @@
                 <a:ea typeface="Microsoft YaHei" charset="0"/>
                 <a:cs typeface="Microsoft YaHei" charset="0"/>
               </a:rPr>
-              <a:t>主</a:t>
-            </a:r>
-            <a:r>
-              <a:rPr kumimoji="1" lang="zh-CN" altLang="en-US" sz="1400" b="1" dirty="0">
-                <a:solidFill>
-                  <a:srgbClr val="F53F53"/>
-                </a:solidFill>
-                <a:latin typeface="Microsoft YaHei" charset="0"/>
-                <a:ea typeface="Microsoft YaHei" charset="0"/>
-                <a:cs typeface="Microsoft YaHei" charset="0"/>
-              </a:rPr>
-              <a:t>版本号变更时，从版本号</a:t>
-            </a:r>
-            <a:r>
-              <a:rPr kumimoji="1" lang="zh-CN" altLang="en-US" sz="1400" b="1" dirty="0">
-                <a:solidFill>
-                  <a:srgbClr val="F53F53"/>
-                </a:solidFill>
-                <a:latin typeface="Microsoft YaHei" charset="0"/>
-                <a:ea typeface="Microsoft YaHei" charset="0"/>
-                <a:cs typeface="Microsoft YaHei" charset="0"/>
-              </a:rPr>
-              <a:t>和补丁版本号应归零</a:t>
-            </a:r>
-            <a:endParaRPr kumimoji="1" lang="zh-CN" altLang="en-US" sz="1400" b="1" dirty="0">
-              <a:solidFill>
-                <a:srgbClr val="F53F53"/>
-              </a:solidFill>
-              <a:latin typeface="Microsoft YaHei" charset="0"/>
-              <a:ea typeface="Microsoft YaHei" charset="0"/>
-              <a:cs typeface="Microsoft YaHei" charset="0"/>
-            </a:endParaRPr>
+              <a:t>主版本号变更时，从版本号和补丁版本号应归零</a:t>
+            </a:r>
           </a:p>
         </p:txBody>
       </p:sp>
@@ -31459,8 +31488,8 @@
         </p:nvSpPr>
         <p:spPr bwMode="auto">
           <a:xfrm>
-            <a:off x="1547664" y="3284984"/>
-            <a:ext cx="360039" cy="432048"/>
+            <a:off x="1547664" y="3284985"/>
+            <a:ext cx="360039" cy="453650"/>
           </a:xfrm>
           <a:custGeom>
             <a:avLst/>
@@ -32223,21 +32252,70 @@
             <a:endParaRPr lang="en-US" altLang="zh-CN" dirty="0" smtClean="0"/>
           </a:p>
           <a:p>
+            <a:pPr marL="0" indent="0">
+              <a:buNone/>
+            </a:pPr>
             <a:r>
               <a:rPr lang="zh-CN" altLang="en-US" dirty="0" smtClean="0"/>
-              <a:t>周二、四</a:t>
+              <a:t>周二、</a:t>
+            </a:r>
+            <a:r>
+              <a:rPr lang="zh-CN" altLang="en-US" dirty="0" smtClean="0"/>
+              <a:t>四为固定发布日</a:t>
             </a:r>
             <a:endParaRPr lang="en-US" altLang="zh-CN" dirty="0" smtClean="0"/>
           </a:p>
           <a:p>
+            <a:pPr marL="0" indent="0">
+              <a:buNone/>
+            </a:pPr>
             <a:r>
               <a:rPr lang="zh-CN" altLang="en-US" dirty="0" smtClean="0"/>
-              <a:t>提前</a:t>
+              <a:t>提</a:t>
+            </a:r>
+            <a:r>
+              <a:rPr lang="zh-CN" altLang="en-US" dirty="0" smtClean="0"/>
+              <a:t>前</a:t>
+            </a:r>
+            <a:r>
+              <a:rPr lang="en-US" altLang="zh-CN" dirty="0" smtClean="0"/>
+              <a:t>3</a:t>
+            </a:r>
+            <a:r>
+              <a:rPr lang="zh-CN" altLang="en-US" dirty="0" smtClean="0"/>
+              <a:t>个及以上工作日提交</a:t>
             </a:r>
             <a:r>
               <a:rPr lang="en-US" altLang="zh-CN" dirty="0" smtClean="0"/>
               <a:t>ECP</a:t>
             </a:r>
+            <a:r>
+              <a:rPr lang="zh-CN" altLang="en-US" dirty="0" smtClean="0"/>
+              <a:t>流程</a:t>
+            </a:r>
+            <a:endParaRPr lang="en-US" altLang="zh-CN" dirty="0" smtClean="0"/>
+          </a:p>
+          <a:p>
+            <a:pPr marL="0" indent="0">
+              <a:buNone/>
+            </a:pPr>
+            <a:r>
+              <a:rPr lang="zh-CN" altLang="en-US" dirty="0"/>
+              <a:t>提</a:t>
+            </a:r>
+            <a:r>
+              <a:rPr lang="zh-CN" altLang="en-US" dirty="0" smtClean="0"/>
+              <a:t>前</a:t>
+            </a:r>
+            <a:r>
+              <a:rPr lang="en-US" altLang="zh-CN" dirty="0" smtClean="0"/>
+              <a:t>2</a:t>
+            </a:r>
+            <a:r>
+              <a:rPr lang="zh-CN" altLang="en-US" dirty="0" smtClean="0"/>
+              <a:t>个工作日停止变更</a:t>
+            </a:r>
+            <a:endParaRPr lang="en-US" altLang="zh-CN" dirty="0" smtClean="0"/>
           </a:p>
           <a:p>
             <a:r>
@@ -32251,10 +32329,23 @@
             <a:endParaRPr lang="en-US" altLang="zh-CN" dirty="0" smtClean="0"/>
           </a:p>
           <a:p>
+            <a:pPr marL="0" indent="0">
+              <a:buNone/>
+            </a:pPr>
             <a:r>
               <a:rPr lang="zh-CN" altLang="en-US" dirty="0" smtClean="0"/>
-              <a:t>周一、三、五</a:t>
-            </a:r>
+              <a:t>周一、三、</a:t>
+            </a:r>
+            <a:r>
+              <a:rPr lang="zh-CN" altLang="en-US" dirty="0" smtClean="0"/>
+              <a:t>五为临时发布日</a:t>
+            </a:r>
+            <a:endParaRPr lang="en-US" altLang="zh-CN" dirty="0" smtClean="0"/>
+          </a:p>
+          <a:p>
+            <a:pPr marL="0" indent="0">
+              <a:buNone/>
+            </a:pPr>
             <a:endParaRPr lang="en-US" altLang="zh-CN" dirty="0" smtClean="0"/>
           </a:p>
           <a:p>
@@ -32340,16 +32431,40 @@
           <a:p>
             <a:r>
               <a:rPr lang="zh-CN" altLang="zh-CN" dirty="0"/>
-              <a:t>系统年度主版本号不应超过</a:t>
-            </a:r>
-            <a:r>
-              <a:rPr lang="en-US" altLang="zh-CN" dirty="0"/>
+              <a:t>系</a:t>
+            </a:r>
+            <a:r>
+              <a:rPr lang="zh-CN" altLang="zh-CN" dirty="0" smtClean="0"/>
+              <a:t>统主</a:t>
+            </a:r>
+            <a:r>
+              <a:rPr lang="zh-CN" altLang="zh-CN" dirty="0"/>
+              <a:t>版本</a:t>
+            </a:r>
+            <a:r>
+              <a:rPr lang="zh-CN" altLang="zh-CN" dirty="0" smtClean="0"/>
+              <a:t>号</a:t>
+            </a:r>
+            <a:r>
+              <a:rPr lang="en-US" altLang="zh-CN" dirty="0" smtClean="0"/>
+              <a:t>&lt;=</a:t>
+            </a:r>
+            <a:r>
+              <a:rPr lang="en-US" altLang="zh-CN" dirty="0" smtClean="0"/>
               <a:t>3</a:t>
             </a:r>
             <a:r>
               <a:rPr lang="zh-CN" altLang="zh-CN" dirty="0" smtClean="0"/>
               <a:t>个</a:t>
             </a:r>
+            <a:r>
+              <a:rPr lang="en-US" altLang="zh-CN" dirty="0" smtClean="0"/>
+              <a:t>/</a:t>
+            </a:r>
+            <a:r>
+              <a:rPr lang="zh-CN" altLang="en-US" dirty="0" smtClean="0"/>
+              <a:t>年</a:t>
+            </a:r>
             <a:endParaRPr lang="en-US" altLang="zh-CN" dirty="0" smtClean="0"/>
           </a:p>
           <a:p>
@@ -32358,11 +32473,15 @@
               <a:t>计</a:t>
             </a:r>
             <a:r>
-              <a:rPr lang="zh-CN" altLang="zh-CN" dirty="0"/>
-              <a:t>划性版本的发布频率不应超过</a:t>
-            </a:r>
-            <a:r>
-              <a:rPr lang="en-US" altLang="zh-CN" dirty="0"/>
+              <a:rPr lang="zh-CN" altLang="zh-CN" dirty="0" smtClean="0"/>
+              <a:t>划发布</a:t>
+            </a:r>
+            <a:r>
+              <a:rPr lang="en-US" altLang="zh-CN" dirty="0" smtClean="0"/>
+              <a:t>&lt;=</a:t>
+            </a:r>
+            <a:r>
+              <a:rPr lang="en-US" altLang="zh-CN" dirty="0" smtClean="0"/>
               <a:t>2</a:t>
             </a:r>
             <a:r>
@@ -32402,11 +32521,15 @@
           <a:p>
             <a:r>
               <a:rPr lang="zh-CN" altLang="zh-CN" dirty="0"/>
-              <a:t>紧急版本的发布频率不应超过</a:t>
-            </a:r>
-            <a:r>
-              <a:rPr lang="en-US" altLang="zh-CN" dirty="0"/>
-              <a:t>1</a:t>
+              <a:t>紧</a:t>
+            </a:r>
+            <a:r>
+              <a:rPr lang="zh-CN" altLang="zh-CN" dirty="0" smtClean="0"/>
+              <a:t>急发布</a:t>
+            </a:r>
+            <a:r>
+              <a:rPr lang="en-US" altLang="zh-CN" dirty="0" smtClean="0"/>
+              <a:t>&lt;=1</a:t>
             </a:r>
             <a:r>
               <a:rPr lang="zh-CN" altLang="zh-CN" dirty="0"/>
@@ -32715,7 +32838,7 @@
   <a:extraClrSchemeLst/>
   <a:extLst>
     <a:ext uri="{05A4C25C-085E-4340-85A3-A5531E510DB2}">
-      <thm15:themeFamily xmlns:thm15="http://schemas.microsoft.com/office/thememl/2012/main" xmlns="" name="Office Theme" id="{62F939B6-93AF-4DB8-9C6B-D6C7DFDC589F}" vid="{4A3C46E8-61CC-4603-A589-7422A47A8E4A}"/>
+      <thm15:themeFamily xmlns="" xmlns:thm15="http://schemas.microsoft.com/office/thememl/2012/main" name="Office Theme" id="{62F939B6-93AF-4DB8-9C6B-D6C7DFDC589F}" vid="{4A3C46E8-61CC-4603-A589-7422A47A8E4A}"/>
     </a:ext>
   </a:extLst>
 </a:theme>
@@ -32976,7 +33099,7 @@
   <a:extraClrSchemeLst/>
   <a:extLst>
     <a:ext uri="{05A4C25C-085E-4340-85A3-A5531E510DB2}">
-      <thm15:themeFamily xmlns:thm15="http://schemas.microsoft.com/office/thememl/2012/main" xmlns="" name="Office Theme" id="{62F939B6-93AF-4DB8-9C6B-D6C7DFDC589F}" vid="{4A3C46E8-61CC-4603-A589-7422A47A8E4A}"/>
+      <thm15:themeFamily xmlns="" xmlns:thm15="http://schemas.microsoft.com/office/thememl/2012/main" name="Office Theme" id="{62F939B6-93AF-4DB8-9C6B-D6C7DFDC589F}" vid="{4A3C46E8-61CC-4603-A589-7422A47A8E4A}"/>
     </a:ext>
   </a:extLst>
 </a:theme>
@@ -33237,7 +33360,7 @@
   <a:extraClrSchemeLst/>
   <a:extLst>
     <a:ext uri="{05A4C25C-085E-4340-85A3-A5531E510DB2}">
-      <thm15:themeFamily xmlns:thm15="http://schemas.microsoft.com/office/thememl/2012/main" xmlns="" name="Office Theme" id="{62F939B6-93AF-4DB8-9C6B-D6C7DFDC589F}" vid="{4A3C46E8-61CC-4603-A589-7422A47A8E4A}"/>
+      <thm15:themeFamily xmlns="" xmlns:thm15="http://schemas.microsoft.com/office/thememl/2012/main" name="Office Theme" id="{62F939B6-93AF-4DB8-9C6B-D6C7DFDC589F}" vid="{4A3C46E8-61CC-4603-A589-7422A47A8E4A}"/>
     </a:ext>
   </a:extLst>
 </a:theme>
@@ -33498,7 +33621,7 @@
   <a:extraClrSchemeLst/>
   <a:extLst>
     <a:ext uri="{05A4C25C-085E-4340-85A3-A5531E510DB2}">
-      <thm15:themeFamily xmlns:thm15="http://schemas.microsoft.com/office/thememl/2012/main" xmlns="" name="Office Theme" id="{62F939B6-93AF-4DB8-9C6B-D6C7DFDC589F}" vid="{4A3C46E8-61CC-4603-A589-7422A47A8E4A}"/>
+      <thm15:themeFamily xmlns="" xmlns:thm15="http://schemas.microsoft.com/office/thememl/2012/main" name="Office Theme" id="{62F939B6-93AF-4DB8-9C6B-D6C7DFDC589F}" vid="{4A3C46E8-61CC-4603-A589-7422A47A8E4A}"/>
     </a:ext>
   </a:extLst>
 </a:theme>
@@ -33759,7 +33882,7 @@
   <a:extraClrSchemeLst/>
   <a:extLst>
     <a:ext uri="{05A4C25C-085E-4340-85A3-A5531E510DB2}">
-      <thm15:themeFamily xmlns:thm15="http://schemas.microsoft.com/office/thememl/2012/main" xmlns="" name="Office Theme" id="{62F939B6-93AF-4DB8-9C6B-D6C7DFDC589F}" vid="{4A3C46E8-61CC-4603-A589-7422A47A8E4A}"/>
+      <thm15:themeFamily xmlns="" xmlns:thm15="http://schemas.microsoft.com/office/thememl/2012/main" name="Office Theme" id="{62F939B6-93AF-4DB8-9C6B-D6C7DFDC589F}" vid="{4A3C46E8-61CC-4603-A589-7422A47A8E4A}"/>
     </a:ext>
   </a:extLst>
 </a:theme>

--- a/新员工入职指引/信息技术部版本构建及发布过程.pptx
+++ b/新员工入职指引/信息技术部版本构建及发布过程.pptx
@@ -126,6 +126,22 @@
       </a:defRPr>
     </a:lvl9pPr>
   </p:defaultTextStyle>
+  <p:extLst>
+    <p:ext uri="{EFAFB233-063F-42B5-8137-9DF3F51BA10A}">
+      <p15:sldGuideLst xmlns:p15="http://schemas.microsoft.com/office/powerpoint/2012/main">
+        <p15:guide id="1" orient="horz" pos="2160">
+          <p15:clr>
+            <a:srgbClr val="A4A3A4"/>
+          </p15:clr>
+        </p15:guide>
+        <p15:guide id="2" pos="2880">
+          <p15:clr>
+            <a:srgbClr val="A4A3A4"/>
+          </p15:clr>
+        </p15:guide>
+      </p15:sldGuideLst>
+    </p:ext>
+  </p:extLst>
 </p:presentation>
 </file>
 
@@ -211,7 +227,7 @@
           <a:p>
             <a:fld id="{ED338AEF-71B6-45FD-ABF5-2FFB86605E41}" type="datetimeFigureOut">
               <a:rPr lang="zh-CN" altLang="en-US" smtClean="0"/>
-              <a:t>2018/4/25</a:t>
+              <a:t>2018/4/26</a:t>
             </a:fld>
             <a:endParaRPr lang="zh-CN" altLang="en-US"/>
           </a:p>
@@ -569,6 +585,90 @@
 </file>
 
 <file path=ppt/notesSlides/notesSlide2.xml><?xml version="1.0" encoding="utf-8"?>
+<p:notes xmlns:a="http://schemas.openxmlformats.org/drawingml/2006/main" xmlns:r="http://schemas.openxmlformats.org/officeDocument/2006/relationships" xmlns:p="http://schemas.openxmlformats.org/presentationml/2006/main">
+  <p:cSld>
+    <p:spTree>
+      <p:nvGrpSpPr>
+        <p:cNvPr id="1" name=""/>
+        <p:cNvGrpSpPr/>
+        <p:nvPr/>
+      </p:nvGrpSpPr>
+      <p:grpSpPr>
+        <a:xfrm>
+          <a:off x="0" y="0"/>
+          <a:ext cx="0" cy="0"/>
+          <a:chOff x="0" y="0"/>
+          <a:chExt cx="0" cy="0"/>
+        </a:xfrm>
+      </p:grpSpPr>
+      <p:sp>
+        <p:nvSpPr>
+          <p:cNvPr id="2" name="幻灯片图像占位符 1"/>
+          <p:cNvSpPr>
+            <a:spLocks noGrp="1" noRot="1" noChangeAspect="1"/>
+          </p:cNvSpPr>
+          <p:nvPr>
+            <p:ph type="sldImg"/>
+          </p:nvPr>
+        </p:nvSpPr>
+        <p:spPr/>
+      </p:sp>
+      <p:sp>
+        <p:nvSpPr>
+          <p:cNvPr id="3" name="备注占位符 2"/>
+          <p:cNvSpPr>
+            <a:spLocks noGrp="1"/>
+          </p:cNvSpPr>
+          <p:nvPr>
+            <p:ph type="body" idx="1"/>
+          </p:nvPr>
+        </p:nvSpPr>
+        <p:spPr/>
+        <p:txBody>
+          <a:bodyPr/>
+          <a:lstStyle/>
+          <a:p>
+            <a:endParaRPr lang="zh-CN" altLang="en-US" dirty="0"/>
+          </a:p>
+        </p:txBody>
+      </p:sp>
+      <p:sp>
+        <p:nvSpPr>
+          <p:cNvPr id="4" name="灯片编号占位符 3"/>
+          <p:cNvSpPr>
+            <a:spLocks noGrp="1"/>
+          </p:cNvSpPr>
+          <p:nvPr>
+            <p:ph type="sldNum" sz="quarter" idx="10"/>
+          </p:nvPr>
+        </p:nvSpPr>
+        <p:spPr/>
+        <p:txBody>
+          <a:bodyPr/>
+          <a:lstStyle/>
+          <a:p>
+            <a:fld id="{4D80BFC4-3EBC-48F6-B105-6CFEFDEEAA52}" type="slidenum">
+              <a:rPr lang="zh-CN" altLang="en-US" smtClean="0"/>
+              <a:t>8</a:t>
+            </a:fld>
+            <a:endParaRPr lang="zh-CN" altLang="en-US"/>
+          </a:p>
+        </p:txBody>
+      </p:sp>
+    </p:spTree>
+    <p:extLst>
+      <p:ext uri="{BB962C8B-B14F-4D97-AF65-F5344CB8AC3E}">
+        <p14:creationId xmlns:p14="http://schemas.microsoft.com/office/powerpoint/2010/main" val="3079065952"/>
+      </p:ext>
+    </p:extLst>
+  </p:cSld>
+  <p:clrMapOvr>
+    <a:masterClrMapping/>
+  </p:clrMapOvr>
+</p:notes>
+</file>
+
+<file path=ppt/notesSlides/notesSlide3.xml><?xml version="1.0" encoding="utf-8"?>
 <p:notes xmlns:a="http://schemas.openxmlformats.org/drawingml/2006/main" xmlns:r="http://schemas.openxmlformats.org/officeDocument/2006/relationships" xmlns:p="http://schemas.openxmlformats.org/presentationml/2006/main">
   <p:cSld>
     <p:spTree>
@@ -21079,8 +21179,8 @@
         </p:nvSpPr>
         <p:spPr>
           <a:xfrm>
-            <a:off x="1059861" y="1068329"/>
-            <a:ext cx="7280275" cy="4882473"/>
+            <a:off x="1059861" y="941096"/>
+            <a:ext cx="7760611" cy="5584247"/>
           </a:xfrm>
           <a:prstGeom prst="rect">
             <a:avLst/>
@@ -21090,6 +21190,9 @@
           <a:bodyPr/>
           <a:lstStyle>
             <a:lvl1pPr>
+              <a:lnSpc>
+                <a:spcPct val="150000"/>
+              </a:lnSpc>
               <a:defRPr>
                 <a:solidFill>
                   <a:schemeClr val="accent4">
@@ -21099,6 +21202,9 @@
               </a:defRPr>
             </a:lvl1pPr>
             <a:lvl2pPr>
+              <a:lnSpc>
+                <a:spcPct val="150000"/>
+              </a:lnSpc>
               <a:defRPr>
                 <a:solidFill>
                   <a:schemeClr val="accent4">
@@ -21108,6 +21214,9 @@
               </a:defRPr>
             </a:lvl2pPr>
             <a:lvl3pPr>
+              <a:lnSpc>
+                <a:spcPct val="150000"/>
+              </a:lnSpc>
               <a:defRPr>
                 <a:solidFill>
                   <a:schemeClr val="accent4">
@@ -21117,6 +21226,9 @@
               </a:defRPr>
             </a:lvl3pPr>
             <a:lvl4pPr>
+              <a:lnSpc>
+                <a:spcPct val="150000"/>
+              </a:lnSpc>
               <a:defRPr>
                 <a:solidFill>
                   <a:schemeClr val="accent4">
@@ -21126,6 +21238,9 @@
               </a:defRPr>
             </a:lvl4pPr>
             <a:lvl5pPr>
+              <a:lnSpc>
+                <a:spcPct val="150000"/>
+              </a:lnSpc>
               <a:defRPr>
                 <a:solidFill>
                   <a:schemeClr val="accent4">
@@ -29050,59 +29165,31 @@
           <a:bodyPr/>
           <a:lstStyle/>
           <a:p>
+            <a:pPr marL="0" indent="0">
+              <a:buNone/>
+            </a:pPr>
             <a:r>
               <a:rPr lang="zh-CN" altLang="en-US" dirty="0"/>
-              <a:t>质量</a:t>
+              <a:t>质</a:t>
             </a:r>
             <a:r>
               <a:rPr lang="zh-CN" altLang="en-US" dirty="0" smtClean="0"/>
-              <a:t>与安全</a:t>
+              <a:t>量评估包含</a:t>
             </a:r>
             <a:endParaRPr lang="en-US" altLang="zh-CN" dirty="0" smtClean="0"/>
           </a:p>
           <a:p>
             <a:r>
-              <a:rPr lang="zh-CN" altLang="en-US" dirty="0"/>
-              <a:t>管</a:t>
-            </a:r>
-            <a:r>
               <a:rPr lang="zh-CN" altLang="en-US" dirty="0" smtClean="0"/>
-              <a:t>理审批</a:t>
+              <a:t>配置管理</a:t>
             </a:r>
             <a:endParaRPr lang="en-US" altLang="zh-CN" dirty="0" smtClean="0"/>
           </a:p>
           <a:p>
             <a:r>
-              <a:rPr lang="zh-CN" altLang="en-US" dirty="0"/>
-              <a:t>包</a:t>
-            </a:r>
-            <a:r>
-              <a:rPr lang="zh-CN" altLang="en-US" dirty="0" smtClean="0"/>
-              <a:t>含</a:t>
-            </a:r>
-            <a:endParaRPr lang="en-US" altLang="zh-CN" dirty="0" smtClean="0"/>
-          </a:p>
-          <a:p>
-            <a:r>
-              <a:rPr lang="zh-CN" altLang="en-US" dirty="0"/>
-              <a:t>安</a:t>
-            </a:r>
-            <a:r>
-              <a:rPr lang="zh-CN" altLang="en-US" dirty="0" smtClean="0"/>
-              <a:t>全</a:t>
-            </a:r>
-            <a:endParaRPr lang="en-US" altLang="zh-CN" dirty="0" smtClean="0"/>
-          </a:p>
-          <a:p>
-            <a:r>
-              <a:rPr lang="zh-CN" altLang="en-US" dirty="0"/>
-              <a:t>配置管</a:t>
-            </a:r>
-            <a:r>
-              <a:rPr lang="zh-CN" altLang="en-US" dirty="0" smtClean="0"/>
-              <a:t>理</a:t>
-            </a:r>
-            <a:endParaRPr lang="en-US" altLang="zh-CN" dirty="0" smtClean="0"/>
+              <a:rPr lang="en-US" altLang="zh-CN" dirty="0" smtClean="0"/>
+              <a:t>QA</a:t>
+            </a:r>
           </a:p>
           <a:p>
             <a:r>
@@ -29208,7 +29295,68 @@
           <a:bodyPr/>
           <a:lstStyle/>
           <a:p>
-            <a:endParaRPr lang="zh-CN" altLang="en-US"/>
+            <a:r>
+              <a:rPr lang="zh-CN" altLang="en-US" dirty="0" smtClean="0"/>
+              <a:t>发布版本号应遵守版本号规则</a:t>
+            </a:r>
+            <a:endParaRPr lang="en-US" altLang="zh-CN" dirty="0" smtClean="0"/>
+          </a:p>
+          <a:p>
+            <a:r>
+              <a:rPr lang="zh-CN" altLang="en-US" dirty="0"/>
+              <a:t>如</a:t>
+            </a:r>
+            <a:r>
+              <a:rPr lang="zh-CN" altLang="zh-CN" dirty="0" smtClean="0"/>
+              <a:t>发</a:t>
+            </a:r>
+            <a:r>
+              <a:rPr lang="zh-CN" altLang="zh-CN" dirty="0"/>
+              <a:t>布的功能涉及适航安全，请务必勾</a:t>
+            </a:r>
+            <a:r>
+              <a:rPr lang="zh-CN" altLang="zh-CN" dirty="0" smtClean="0"/>
+              <a:t>选</a:t>
+            </a:r>
+            <a:endParaRPr lang="en-US" altLang="zh-CN" dirty="0" smtClean="0"/>
+          </a:p>
+          <a:p>
+            <a:r>
+              <a:rPr lang="zh-CN" altLang="zh-CN" dirty="0"/>
+              <a:t>发版若需邮件通知，应按照模板编写邮件，上传附</a:t>
+            </a:r>
+            <a:r>
+              <a:rPr lang="zh-CN" altLang="zh-CN" dirty="0" smtClean="0"/>
+              <a:t>件</a:t>
+            </a:r>
+            <a:endParaRPr lang="en-US" altLang="zh-CN" dirty="0" smtClean="0"/>
+          </a:p>
+          <a:p>
+            <a:r>
+              <a:rPr lang="zh-CN" altLang="zh-CN" dirty="0" smtClean="0"/>
+              <a:t>用</a:t>
+            </a:r>
+            <a:r>
+              <a:rPr lang="zh-CN" altLang="zh-CN" dirty="0"/>
+              <a:t>户确认人</a:t>
+            </a:r>
+            <a:r>
+              <a:rPr lang="zh-CN" altLang="zh-CN" dirty="0" smtClean="0"/>
+              <a:t>员</a:t>
+            </a:r>
+            <a:r>
+              <a:rPr lang="en-US" altLang="zh-CN" dirty="0" smtClean="0"/>
+              <a:t>-</a:t>
+            </a:r>
+            <a:r>
+              <a:rPr lang="zh-CN" altLang="zh-CN" dirty="0" smtClean="0"/>
+              <a:t>此</a:t>
+            </a:r>
+            <a:r>
+              <a:rPr lang="zh-CN" altLang="zh-CN" dirty="0"/>
+              <a:t>次版本发布涉及功能的主要业务需求人员</a:t>
+            </a:r>
+            <a:endParaRPr lang="zh-CN" altLang="en-US" dirty="0"/>
           </a:p>
         </p:txBody>
       </p:sp>
@@ -29464,12 +29612,6 @@
           <a:p>
             <a:r>
               <a:rPr lang="zh-CN" altLang="zh-CN" dirty="0"/>
-              <a:t>版本发布后，配置管理员应检查相应的配置项纳入基线库管理，并及时更新配置状态报告。</a:t>
-            </a:r>
-          </a:p>
-          <a:p>
-            <a:r>
-              <a:rPr lang="zh-CN" altLang="zh-CN" dirty="0"/>
               <a:t>版本发布</a:t>
             </a:r>
             <a:r>
@@ -29478,8 +29620,2882 @@
             </a:r>
             <a:endParaRPr lang="zh-CN" altLang="en-US" dirty="0"/>
           </a:p>
-        </p:txBody>
-      </p:sp>
+          <a:p>
+            <a:r>
+              <a:rPr lang="zh-CN" altLang="zh-CN" dirty="0" smtClean="0"/>
+              <a:t>配</a:t>
+            </a:r>
+            <a:r>
+              <a:rPr lang="zh-CN" altLang="zh-CN" dirty="0"/>
+              <a:t>置项纳入基线</a:t>
+            </a:r>
+            <a:r>
+              <a:rPr lang="zh-CN" altLang="zh-CN" dirty="0" smtClean="0"/>
+              <a:t>库</a:t>
+            </a:r>
+            <a:endParaRPr lang="en-US" altLang="zh-CN" dirty="0" smtClean="0"/>
+          </a:p>
+          <a:p>
+            <a:r>
+              <a:rPr lang="zh-CN" altLang="en-US" dirty="0"/>
+              <a:t>更新配置状态报告</a:t>
+            </a:r>
+            <a:endParaRPr lang="zh-CN" altLang="zh-CN" dirty="0"/>
+          </a:p>
+        </p:txBody>
+      </p:sp>
+      <p:graphicFrame>
+        <p:nvGraphicFramePr>
+          <p:cNvPr id="4" name="表格 3"/>
+          <p:cNvGraphicFramePr>
+            <a:graphicFrameLocks noGrp="1"/>
+          </p:cNvGraphicFramePr>
+          <p:nvPr>
+            <p:extLst>
+              <p:ext uri="{D42A27DB-BD31-4B8C-83A1-F6EECF244321}">
+                <p14:modId xmlns:p14="http://schemas.microsoft.com/office/powerpoint/2010/main" val="3019088661"/>
+              </p:ext>
+            </p:extLst>
+          </p:nvPr>
+        </p:nvGraphicFramePr>
+        <p:xfrm>
+          <a:off x="4499992" y="1124744"/>
+          <a:ext cx="4142556" cy="3726180"/>
+        </p:xfrm>
+        <a:graphic>
+          <a:graphicData uri="http://schemas.openxmlformats.org/drawingml/2006/table">
+            <a:tbl>
+              <a:tblPr firstRow="1" firstCol="1" bandRow="1">
+                <a:tableStyleId>{5C22544A-7EE6-4342-B048-85BDC9FD1C3A}</a:tableStyleId>
+              </a:tblPr>
+              <a:tblGrid>
+                <a:gridCol w="422467">
+                  <a:extLst>
+                    <a:ext uri="{9D8B030D-6E8A-4147-A177-3AD203B41FA5}">
+                      <a16:colId xmlns:a16="http://schemas.microsoft.com/office/drawing/2014/main" val="2667717661"/>
+                    </a:ext>
+                  </a:extLst>
+                </a:gridCol>
+                <a:gridCol w="1199809">
+                  <a:extLst>
+                    <a:ext uri="{9D8B030D-6E8A-4147-A177-3AD203B41FA5}">
+                      <a16:colId xmlns:a16="http://schemas.microsoft.com/office/drawing/2014/main" val="3926391772"/>
+                    </a:ext>
+                  </a:extLst>
+                </a:gridCol>
+                <a:gridCol w="648072">
+                  <a:extLst>
+                    <a:ext uri="{9D8B030D-6E8A-4147-A177-3AD203B41FA5}">
+                      <a16:colId xmlns:a16="http://schemas.microsoft.com/office/drawing/2014/main" val="4207006076"/>
+                    </a:ext>
+                  </a:extLst>
+                </a:gridCol>
+                <a:gridCol w="792088">
+                  <a:extLst>
+                    <a:ext uri="{9D8B030D-6E8A-4147-A177-3AD203B41FA5}">
+                      <a16:colId xmlns:a16="http://schemas.microsoft.com/office/drawing/2014/main" val="563780383"/>
+                    </a:ext>
+                  </a:extLst>
+                </a:gridCol>
+                <a:gridCol w="1080120">
+                  <a:extLst>
+                    <a:ext uri="{9D8B030D-6E8A-4147-A177-3AD203B41FA5}">
+                      <a16:colId xmlns:a16="http://schemas.microsoft.com/office/drawing/2014/main" val="4129963095"/>
+                    </a:ext>
+                  </a:extLst>
+                </a:gridCol>
+              </a:tblGrid>
+              <a:tr h="171450">
+                <a:tc>
+                  <a:txBody>
+                    <a:bodyPr/>
+                    <a:lstStyle/>
+                    <a:p>
+                      <a:pPr algn="ctr">
+                        <a:lnSpc>
+                          <a:spcPct val="150000"/>
+                        </a:lnSpc>
+                        <a:spcAft>
+                          <a:spcPts val="0"/>
+                        </a:spcAft>
+                      </a:pPr>
+                      <a:r>
+                        <a:rPr lang="zh-CN" sz="1000" kern="0" dirty="0">
+                          <a:effectLst/>
+                        </a:rPr>
+                        <a:t>序号</a:t>
+                      </a:r>
+                      <a:endParaRPr lang="zh-CN" sz="1050" kern="100" dirty="0">
+                        <a:effectLst/>
+                        <a:latin typeface="Calibri" panose="020F0502020204030204" pitchFamily="34" charset="0"/>
+                        <a:ea typeface="宋体" panose="02010600030101010101" pitchFamily="2" charset="-122"/>
+                        <a:cs typeface="Times New Roman" panose="02020603050405020304" pitchFamily="18" charset="0"/>
+                      </a:endParaRPr>
+                    </a:p>
+                  </a:txBody>
+                  <a:tcPr marL="68580" marR="68580" marT="0" marB="0" anchor="b"/>
+                </a:tc>
+                <a:tc>
+                  <a:txBody>
+                    <a:bodyPr/>
+                    <a:lstStyle/>
+                    <a:p>
+                      <a:pPr algn="ctr">
+                        <a:lnSpc>
+                          <a:spcPct val="150000"/>
+                        </a:lnSpc>
+                        <a:spcAft>
+                          <a:spcPts val="0"/>
+                        </a:spcAft>
+                      </a:pPr>
+                      <a:r>
+                        <a:rPr lang="zh-CN" sz="1000" kern="0" dirty="0">
+                          <a:effectLst/>
+                        </a:rPr>
+                        <a:t>配置项名称</a:t>
+                      </a:r>
+                      <a:endParaRPr lang="zh-CN" sz="1050" kern="100" dirty="0">
+                        <a:effectLst/>
+                        <a:latin typeface="Calibri" panose="020F0502020204030204" pitchFamily="34" charset="0"/>
+                        <a:ea typeface="宋体" panose="02010600030101010101" pitchFamily="2" charset="-122"/>
+                        <a:cs typeface="Times New Roman" panose="02020603050405020304" pitchFamily="18" charset="0"/>
+                      </a:endParaRPr>
+                    </a:p>
+                  </a:txBody>
+                  <a:tcPr marL="68580" marR="68580" marT="0" marB="0" anchor="b"/>
+                </a:tc>
+                <a:tc>
+                  <a:txBody>
+                    <a:bodyPr/>
+                    <a:lstStyle/>
+                    <a:p>
+                      <a:pPr algn="ctr">
+                        <a:lnSpc>
+                          <a:spcPct val="150000"/>
+                        </a:lnSpc>
+                        <a:spcAft>
+                          <a:spcPts val="0"/>
+                        </a:spcAft>
+                      </a:pPr>
+                      <a:r>
+                        <a:rPr lang="zh-CN" sz="1000" kern="0">
+                          <a:effectLst/>
+                        </a:rPr>
+                        <a:t>产生阶段</a:t>
+                      </a:r>
+                      <a:endParaRPr lang="zh-CN" sz="1050" kern="100">
+                        <a:effectLst/>
+                        <a:latin typeface="Calibri" panose="020F0502020204030204" pitchFamily="34" charset="0"/>
+                        <a:ea typeface="宋体" panose="02010600030101010101" pitchFamily="2" charset="-122"/>
+                        <a:cs typeface="Times New Roman" panose="02020603050405020304" pitchFamily="18" charset="0"/>
+                      </a:endParaRPr>
+                    </a:p>
+                  </a:txBody>
+                  <a:tcPr marL="68580" marR="68580" marT="0" marB="0" anchor="b"/>
+                </a:tc>
+                <a:tc>
+                  <a:txBody>
+                    <a:bodyPr/>
+                    <a:lstStyle/>
+                    <a:p>
+                      <a:pPr algn="ctr">
+                        <a:lnSpc>
+                          <a:spcPct val="150000"/>
+                        </a:lnSpc>
+                        <a:spcAft>
+                          <a:spcPts val="0"/>
+                        </a:spcAft>
+                      </a:pPr>
+                      <a:r>
+                        <a:rPr lang="zh-CN" sz="1000" kern="0">
+                          <a:effectLst/>
+                        </a:rPr>
+                        <a:t>相关责任人</a:t>
+                      </a:r>
+                      <a:endParaRPr lang="zh-CN" sz="1050" kern="100">
+                        <a:effectLst/>
+                        <a:latin typeface="Calibri" panose="020F0502020204030204" pitchFamily="34" charset="0"/>
+                        <a:ea typeface="宋体" panose="02010600030101010101" pitchFamily="2" charset="-122"/>
+                        <a:cs typeface="Times New Roman" panose="02020603050405020304" pitchFamily="18" charset="0"/>
+                      </a:endParaRPr>
+                    </a:p>
+                  </a:txBody>
+                  <a:tcPr marL="68580" marR="68580" marT="0" marB="0" anchor="b"/>
+                </a:tc>
+                <a:tc>
+                  <a:txBody>
+                    <a:bodyPr/>
+                    <a:lstStyle/>
+                    <a:p>
+                      <a:pPr algn="ctr">
+                        <a:lnSpc>
+                          <a:spcPct val="150000"/>
+                        </a:lnSpc>
+                        <a:spcAft>
+                          <a:spcPts val="0"/>
+                        </a:spcAft>
+                      </a:pPr>
+                      <a:r>
+                        <a:rPr lang="zh-CN" sz="1000" kern="0" dirty="0">
+                          <a:effectLst/>
+                        </a:rPr>
+                        <a:t>配置项状态</a:t>
+                      </a:r>
+                      <a:endParaRPr lang="zh-CN" sz="1050" kern="100" dirty="0">
+                        <a:effectLst/>
+                        <a:latin typeface="Calibri" panose="020F0502020204030204" pitchFamily="34" charset="0"/>
+                        <a:ea typeface="宋体" panose="02010600030101010101" pitchFamily="2" charset="-122"/>
+                        <a:cs typeface="Times New Roman" panose="02020603050405020304" pitchFamily="18" charset="0"/>
+                      </a:endParaRPr>
+                    </a:p>
+                  </a:txBody>
+                  <a:tcPr marL="68580" marR="68580" marT="0" marB="0" anchor="b"/>
+                </a:tc>
+                <a:extLst>
+                  <a:ext uri="{0D108BD9-81ED-4DB2-BD59-A6C34878D82A}">
+                    <a16:rowId xmlns:a16="http://schemas.microsoft.com/office/drawing/2014/main" val="1852182084"/>
+                  </a:ext>
+                </a:extLst>
+              </a:tr>
+              <a:tr h="171450">
+                <a:tc>
+                  <a:txBody>
+                    <a:bodyPr/>
+                    <a:lstStyle/>
+                    <a:p>
+                      <a:pPr algn="ctr">
+                        <a:lnSpc>
+                          <a:spcPct val="150000"/>
+                        </a:lnSpc>
+                        <a:spcAft>
+                          <a:spcPts val="0"/>
+                        </a:spcAft>
+                      </a:pPr>
+                      <a:r>
+                        <a:rPr lang="en-US" sz="900" kern="0">
+                          <a:effectLst/>
+                        </a:rPr>
+                        <a:t>1</a:t>
+                      </a:r>
+                      <a:endParaRPr lang="zh-CN" sz="1050" kern="100">
+                        <a:effectLst/>
+                        <a:latin typeface="Calibri" panose="020F0502020204030204" pitchFamily="34" charset="0"/>
+                        <a:ea typeface="宋体" panose="02010600030101010101" pitchFamily="2" charset="-122"/>
+                        <a:cs typeface="Times New Roman" panose="02020603050405020304" pitchFamily="18" charset="0"/>
+                      </a:endParaRPr>
+                    </a:p>
+                  </a:txBody>
+                  <a:tcPr marL="68580" marR="68580" marT="0" marB="0" anchor="b"/>
+                </a:tc>
+                <a:tc>
+                  <a:txBody>
+                    <a:bodyPr/>
+                    <a:lstStyle/>
+                    <a:p>
+                      <a:pPr algn="l">
+                        <a:lnSpc>
+                          <a:spcPct val="150000"/>
+                        </a:lnSpc>
+                        <a:spcAft>
+                          <a:spcPts val="0"/>
+                        </a:spcAft>
+                      </a:pPr>
+                      <a:r>
+                        <a:rPr lang="zh-CN" sz="900" kern="0">
+                          <a:effectLst/>
+                        </a:rPr>
+                        <a:t>项目可行性分析报告</a:t>
+                      </a:r>
+                      <a:endParaRPr lang="zh-CN" sz="1050" kern="100">
+                        <a:effectLst/>
+                        <a:latin typeface="Calibri" panose="020F0502020204030204" pitchFamily="34" charset="0"/>
+                        <a:ea typeface="宋体" panose="02010600030101010101" pitchFamily="2" charset="-122"/>
+                        <a:cs typeface="Times New Roman" panose="02020603050405020304" pitchFamily="18" charset="0"/>
+                      </a:endParaRPr>
+                    </a:p>
+                  </a:txBody>
+                  <a:tcPr marL="68580" marR="68580" marT="0" marB="0" anchor="b"/>
+                </a:tc>
+                <a:tc>
+                  <a:txBody>
+                    <a:bodyPr/>
+                    <a:lstStyle/>
+                    <a:p>
+                      <a:pPr algn="ctr">
+                        <a:lnSpc>
+                          <a:spcPct val="150000"/>
+                        </a:lnSpc>
+                        <a:spcAft>
+                          <a:spcPts val="0"/>
+                        </a:spcAft>
+                      </a:pPr>
+                      <a:r>
+                        <a:rPr lang="zh-CN" sz="900" kern="0">
+                          <a:effectLst/>
+                        </a:rPr>
+                        <a:t>立项</a:t>
+                      </a:r>
+                      <a:endParaRPr lang="zh-CN" sz="1050" kern="100">
+                        <a:effectLst/>
+                        <a:latin typeface="Calibri" panose="020F0502020204030204" pitchFamily="34" charset="0"/>
+                        <a:ea typeface="宋体" panose="02010600030101010101" pitchFamily="2" charset="-122"/>
+                        <a:cs typeface="Times New Roman" panose="02020603050405020304" pitchFamily="18" charset="0"/>
+                      </a:endParaRPr>
+                    </a:p>
+                  </a:txBody>
+                  <a:tcPr marL="68580" marR="68580" marT="0" marB="0" anchor="b"/>
+                </a:tc>
+                <a:tc>
+                  <a:txBody>
+                    <a:bodyPr/>
+                    <a:lstStyle/>
+                    <a:p>
+                      <a:pPr algn="ctr">
+                        <a:lnSpc>
+                          <a:spcPct val="150000"/>
+                        </a:lnSpc>
+                        <a:spcAft>
+                          <a:spcPts val="0"/>
+                        </a:spcAft>
+                      </a:pPr>
+                      <a:r>
+                        <a:rPr lang="zh-CN" sz="900" kern="0">
+                          <a:effectLst/>
+                        </a:rPr>
+                        <a:t>项目经理</a:t>
+                      </a:r>
+                      <a:endParaRPr lang="zh-CN" sz="1050" kern="100">
+                        <a:effectLst/>
+                        <a:latin typeface="Calibri" panose="020F0502020204030204" pitchFamily="34" charset="0"/>
+                        <a:ea typeface="宋体" panose="02010600030101010101" pitchFamily="2" charset="-122"/>
+                        <a:cs typeface="Times New Roman" panose="02020603050405020304" pitchFamily="18" charset="0"/>
+                      </a:endParaRPr>
+                    </a:p>
+                  </a:txBody>
+                  <a:tcPr marL="68580" marR="68580" marT="0" marB="0" anchor="b"/>
+                </a:tc>
+                <a:tc>
+                  <a:txBody>
+                    <a:bodyPr/>
+                    <a:lstStyle/>
+                    <a:p>
+                      <a:pPr algn="ctr">
+                        <a:lnSpc>
+                          <a:spcPct val="150000"/>
+                        </a:lnSpc>
+                        <a:spcAft>
+                          <a:spcPts val="0"/>
+                        </a:spcAft>
+                      </a:pPr>
+                      <a:r>
+                        <a:rPr lang="zh-CN" sz="900" kern="0">
+                          <a:effectLst/>
+                        </a:rPr>
+                        <a:t>已入库（√）</a:t>
+                      </a:r>
+                      <a:endParaRPr lang="zh-CN" sz="1050" kern="100">
+                        <a:effectLst/>
+                        <a:latin typeface="Calibri" panose="020F0502020204030204" pitchFamily="34" charset="0"/>
+                        <a:ea typeface="宋体" panose="02010600030101010101" pitchFamily="2" charset="-122"/>
+                        <a:cs typeface="Times New Roman" panose="02020603050405020304" pitchFamily="18" charset="0"/>
+                      </a:endParaRPr>
+                    </a:p>
+                  </a:txBody>
+                  <a:tcPr marL="68580" marR="68580" marT="0" marB="0" anchor="b"/>
+                </a:tc>
+                <a:extLst>
+                  <a:ext uri="{0D108BD9-81ED-4DB2-BD59-A6C34878D82A}">
+                    <a16:rowId xmlns:a16="http://schemas.microsoft.com/office/drawing/2014/main" val="1234098525"/>
+                  </a:ext>
+                </a:extLst>
+              </a:tr>
+              <a:tr h="171450">
+                <a:tc>
+                  <a:txBody>
+                    <a:bodyPr/>
+                    <a:lstStyle/>
+                    <a:p>
+                      <a:pPr algn="ctr">
+                        <a:lnSpc>
+                          <a:spcPct val="150000"/>
+                        </a:lnSpc>
+                        <a:spcAft>
+                          <a:spcPts val="0"/>
+                        </a:spcAft>
+                      </a:pPr>
+                      <a:r>
+                        <a:rPr lang="en-US" sz="900" kern="0">
+                          <a:effectLst/>
+                        </a:rPr>
+                        <a:t>2</a:t>
+                      </a:r>
+                      <a:endParaRPr lang="zh-CN" sz="1050" kern="100">
+                        <a:effectLst/>
+                        <a:latin typeface="Calibri" panose="020F0502020204030204" pitchFamily="34" charset="0"/>
+                        <a:ea typeface="宋体" panose="02010600030101010101" pitchFamily="2" charset="-122"/>
+                        <a:cs typeface="Times New Roman" panose="02020603050405020304" pitchFamily="18" charset="0"/>
+                      </a:endParaRPr>
+                    </a:p>
+                  </a:txBody>
+                  <a:tcPr marL="68580" marR="68580" marT="0" marB="0" anchor="b"/>
+                </a:tc>
+                <a:tc>
+                  <a:txBody>
+                    <a:bodyPr/>
+                    <a:lstStyle/>
+                    <a:p>
+                      <a:pPr algn="l">
+                        <a:lnSpc>
+                          <a:spcPct val="150000"/>
+                        </a:lnSpc>
+                        <a:spcAft>
+                          <a:spcPts val="0"/>
+                        </a:spcAft>
+                      </a:pPr>
+                      <a:r>
+                        <a:rPr lang="zh-CN" sz="900" kern="0">
+                          <a:effectLst/>
+                        </a:rPr>
+                        <a:t>项目立项报告</a:t>
+                      </a:r>
+                      <a:r>
+                        <a:rPr lang="en-US" sz="900" kern="0">
+                          <a:effectLst/>
+                        </a:rPr>
+                        <a:t>*</a:t>
+                      </a:r>
+                      <a:endParaRPr lang="zh-CN" sz="1050" kern="100">
+                        <a:effectLst/>
+                        <a:latin typeface="Calibri" panose="020F0502020204030204" pitchFamily="34" charset="0"/>
+                        <a:ea typeface="宋体" panose="02010600030101010101" pitchFamily="2" charset="-122"/>
+                        <a:cs typeface="Times New Roman" panose="02020603050405020304" pitchFamily="18" charset="0"/>
+                      </a:endParaRPr>
+                    </a:p>
+                  </a:txBody>
+                  <a:tcPr marL="68580" marR="68580" marT="0" marB="0" anchor="b"/>
+                </a:tc>
+                <a:tc>
+                  <a:txBody>
+                    <a:bodyPr/>
+                    <a:lstStyle/>
+                    <a:p>
+                      <a:pPr algn="ctr">
+                        <a:lnSpc>
+                          <a:spcPct val="150000"/>
+                        </a:lnSpc>
+                        <a:spcAft>
+                          <a:spcPts val="0"/>
+                        </a:spcAft>
+                      </a:pPr>
+                      <a:r>
+                        <a:rPr lang="zh-CN" sz="900" kern="0">
+                          <a:effectLst/>
+                        </a:rPr>
+                        <a:t>立项</a:t>
+                      </a:r>
+                      <a:endParaRPr lang="zh-CN" sz="1050" kern="100">
+                        <a:effectLst/>
+                        <a:latin typeface="Calibri" panose="020F0502020204030204" pitchFamily="34" charset="0"/>
+                        <a:ea typeface="宋体" panose="02010600030101010101" pitchFamily="2" charset="-122"/>
+                        <a:cs typeface="Times New Roman" panose="02020603050405020304" pitchFamily="18" charset="0"/>
+                      </a:endParaRPr>
+                    </a:p>
+                  </a:txBody>
+                  <a:tcPr marL="68580" marR="68580" marT="0" marB="0" anchor="b"/>
+                </a:tc>
+                <a:tc>
+                  <a:txBody>
+                    <a:bodyPr/>
+                    <a:lstStyle/>
+                    <a:p>
+                      <a:pPr algn="ctr">
+                        <a:lnSpc>
+                          <a:spcPct val="150000"/>
+                        </a:lnSpc>
+                        <a:spcAft>
+                          <a:spcPts val="0"/>
+                        </a:spcAft>
+                      </a:pPr>
+                      <a:r>
+                        <a:rPr lang="zh-CN" sz="900" kern="0">
+                          <a:effectLst/>
+                        </a:rPr>
+                        <a:t>项目经理</a:t>
+                      </a:r>
+                      <a:endParaRPr lang="zh-CN" sz="1050" kern="100">
+                        <a:effectLst/>
+                        <a:latin typeface="Calibri" panose="020F0502020204030204" pitchFamily="34" charset="0"/>
+                        <a:ea typeface="宋体" panose="02010600030101010101" pitchFamily="2" charset="-122"/>
+                        <a:cs typeface="Times New Roman" panose="02020603050405020304" pitchFamily="18" charset="0"/>
+                      </a:endParaRPr>
+                    </a:p>
+                  </a:txBody>
+                  <a:tcPr marL="68580" marR="68580" marT="0" marB="0" anchor="b"/>
+                </a:tc>
+                <a:tc>
+                  <a:txBody>
+                    <a:bodyPr/>
+                    <a:lstStyle/>
+                    <a:p>
+                      <a:pPr algn="ctr">
+                        <a:lnSpc>
+                          <a:spcPct val="150000"/>
+                        </a:lnSpc>
+                        <a:spcAft>
+                          <a:spcPts val="0"/>
+                        </a:spcAft>
+                      </a:pPr>
+                      <a:r>
+                        <a:rPr lang="zh-CN" sz="900" kern="0">
+                          <a:effectLst/>
+                        </a:rPr>
+                        <a:t>未提供（×）</a:t>
+                      </a:r>
+                      <a:endParaRPr lang="zh-CN" sz="1050" kern="100">
+                        <a:effectLst/>
+                        <a:latin typeface="Calibri" panose="020F0502020204030204" pitchFamily="34" charset="0"/>
+                        <a:ea typeface="宋体" panose="02010600030101010101" pitchFamily="2" charset="-122"/>
+                        <a:cs typeface="Times New Roman" panose="02020603050405020304" pitchFamily="18" charset="0"/>
+                      </a:endParaRPr>
+                    </a:p>
+                  </a:txBody>
+                  <a:tcPr marL="68580" marR="68580" marT="0" marB="0" anchor="b"/>
+                </a:tc>
+                <a:extLst>
+                  <a:ext uri="{0D108BD9-81ED-4DB2-BD59-A6C34878D82A}">
+                    <a16:rowId xmlns:a16="http://schemas.microsoft.com/office/drawing/2014/main" val="3682362746"/>
+                  </a:ext>
+                </a:extLst>
+              </a:tr>
+              <a:tr h="142875">
+                <a:tc>
+                  <a:txBody>
+                    <a:bodyPr/>
+                    <a:lstStyle/>
+                    <a:p>
+                      <a:pPr algn="ctr">
+                        <a:lnSpc>
+                          <a:spcPct val="150000"/>
+                        </a:lnSpc>
+                        <a:spcAft>
+                          <a:spcPts val="0"/>
+                        </a:spcAft>
+                      </a:pPr>
+                      <a:r>
+                        <a:rPr lang="en-US" sz="900" kern="0">
+                          <a:effectLst/>
+                        </a:rPr>
+                        <a:t>3</a:t>
+                      </a:r>
+                      <a:endParaRPr lang="zh-CN" sz="1050" kern="100">
+                        <a:effectLst/>
+                        <a:latin typeface="Calibri" panose="020F0502020204030204" pitchFamily="34" charset="0"/>
+                        <a:ea typeface="宋体" panose="02010600030101010101" pitchFamily="2" charset="-122"/>
+                        <a:cs typeface="Times New Roman" panose="02020603050405020304" pitchFamily="18" charset="0"/>
+                      </a:endParaRPr>
+                    </a:p>
+                  </a:txBody>
+                  <a:tcPr marL="68580" marR="68580" marT="0" marB="0" anchor="b"/>
+                </a:tc>
+                <a:tc>
+                  <a:txBody>
+                    <a:bodyPr/>
+                    <a:lstStyle/>
+                    <a:p>
+                      <a:pPr algn="l">
+                        <a:lnSpc>
+                          <a:spcPct val="150000"/>
+                        </a:lnSpc>
+                        <a:spcAft>
+                          <a:spcPts val="0"/>
+                        </a:spcAft>
+                      </a:pPr>
+                      <a:r>
+                        <a:rPr lang="zh-CN" sz="900" kern="0">
+                          <a:effectLst/>
+                        </a:rPr>
+                        <a:t>项目计划</a:t>
+                      </a:r>
+                      <a:r>
+                        <a:rPr lang="en-US" sz="900" kern="0">
+                          <a:effectLst/>
+                        </a:rPr>
+                        <a:t>*</a:t>
+                      </a:r>
+                      <a:endParaRPr lang="zh-CN" sz="1050" kern="100">
+                        <a:effectLst/>
+                        <a:latin typeface="Calibri" panose="020F0502020204030204" pitchFamily="34" charset="0"/>
+                        <a:ea typeface="宋体" panose="02010600030101010101" pitchFamily="2" charset="-122"/>
+                        <a:cs typeface="Times New Roman" panose="02020603050405020304" pitchFamily="18" charset="0"/>
+                      </a:endParaRPr>
+                    </a:p>
+                  </a:txBody>
+                  <a:tcPr marL="68580" marR="68580" marT="0" marB="0" anchor="b"/>
+                </a:tc>
+                <a:tc>
+                  <a:txBody>
+                    <a:bodyPr/>
+                    <a:lstStyle/>
+                    <a:p>
+                      <a:pPr algn="ctr">
+                        <a:lnSpc>
+                          <a:spcPct val="150000"/>
+                        </a:lnSpc>
+                        <a:spcAft>
+                          <a:spcPts val="0"/>
+                        </a:spcAft>
+                      </a:pPr>
+                      <a:r>
+                        <a:rPr lang="zh-CN" sz="900" kern="0">
+                          <a:effectLst/>
+                        </a:rPr>
+                        <a:t>计划</a:t>
+                      </a:r>
+                      <a:endParaRPr lang="zh-CN" sz="1050" kern="100">
+                        <a:effectLst/>
+                        <a:latin typeface="Calibri" panose="020F0502020204030204" pitchFamily="34" charset="0"/>
+                        <a:ea typeface="宋体" panose="02010600030101010101" pitchFamily="2" charset="-122"/>
+                        <a:cs typeface="Times New Roman" panose="02020603050405020304" pitchFamily="18" charset="0"/>
+                      </a:endParaRPr>
+                    </a:p>
+                  </a:txBody>
+                  <a:tcPr marL="68580" marR="68580" marT="0" marB="0" anchor="b"/>
+                </a:tc>
+                <a:tc>
+                  <a:txBody>
+                    <a:bodyPr/>
+                    <a:lstStyle/>
+                    <a:p>
+                      <a:pPr algn="ctr">
+                        <a:lnSpc>
+                          <a:spcPct val="150000"/>
+                        </a:lnSpc>
+                        <a:spcAft>
+                          <a:spcPts val="0"/>
+                        </a:spcAft>
+                      </a:pPr>
+                      <a:r>
+                        <a:rPr lang="zh-CN" sz="900" kern="0">
+                          <a:effectLst/>
+                        </a:rPr>
+                        <a:t>项目经理</a:t>
+                      </a:r>
+                      <a:endParaRPr lang="zh-CN" sz="1050" kern="100">
+                        <a:effectLst/>
+                        <a:latin typeface="Calibri" panose="020F0502020204030204" pitchFamily="34" charset="0"/>
+                        <a:ea typeface="宋体" panose="02010600030101010101" pitchFamily="2" charset="-122"/>
+                        <a:cs typeface="Times New Roman" panose="02020603050405020304" pitchFamily="18" charset="0"/>
+                      </a:endParaRPr>
+                    </a:p>
+                  </a:txBody>
+                  <a:tcPr marL="68580" marR="68580" marT="0" marB="0" anchor="b"/>
+                </a:tc>
+                <a:tc>
+                  <a:txBody>
+                    <a:bodyPr/>
+                    <a:lstStyle/>
+                    <a:p>
+                      <a:pPr algn="ctr">
+                        <a:lnSpc>
+                          <a:spcPct val="150000"/>
+                        </a:lnSpc>
+                        <a:spcAft>
+                          <a:spcPts val="0"/>
+                        </a:spcAft>
+                      </a:pPr>
+                      <a:r>
+                        <a:rPr lang="zh-CN" sz="900" kern="0">
+                          <a:effectLst/>
+                        </a:rPr>
+                        <a:t>已入库（√）</a:t>
+                      </a:r>
+                      <a:endParaRPr lang="zh-CN" sz="1050" kern="100">
+                        <a:effectLst/>
+                        <a:latin typeface="Calibri" panose="020F0502020204030204" pitchFamily="34" charset="0"/>
+                        <a:ea typeface="宋体" panose="02010600030101010101" pitchFamily="2" charset="-122"/>
+                        <a:cs typeface="Times New Roman" panose="02020603050405020304" pitchFamily="18" charset="0"/>
+                      </a:endParaRPr>
+                    </a:p>
+                  </a:txBody>
+                  <a:tcPr marL="68580" marR="68580" marT="0" marB="0" anchor="b"/>
+                </a:tc>
+                <a:extLst>
+                  <a:ext uri="{0D108BD9-81ED-4DB2-BD59-A6C34878D82A}">
+                    <a16:rowId xmlns:a16="http://schemas.microsoft.com/office/drawing/2014/main" val="1149176762"/>
+                  </a:ext>
+                </a:extLst>
+              </a:tr>
+              <a:tr h="142875">
+                <a:tc>
+                  <a:txBody>
+                    <a:bodyPr/>
+                    <a:lstStyle/>
+                    <a:p>
+                      <a:pPr algn="ctr">
+                        <a:lnSpc>
+                          <a:spcPct val="150000"/>
+                        </a:lnSpc>
+                        <a:spcAft>
+                          <a:spcPts val="0"/>
+                        </a:spcAft>
+                      </a:pPr>
+                      <a:r>
+                        <a:rPr lang="en-US" sz="900" kern="0">
+                          <a:effectLst/>
+                        </a:rPr>
+                        <a:t>4</a:t>
+                      </a:r>
+                      <a:endParaRPr lang="zh-CN" sz="1050" kern="100">
+                        <a:effectLst/>
+                        <a:latin typeface="Calibri" panose="020F0502020204030204" pitchFamily="34" charset="0"/>
+                        <a:ea typeface="宋体" panose="02010600030101010101" pitchFamily="2" charset="-122"/>
+                        <a:cs typeface="Times New Roman" panose="02020603050405020304" pitchFamily="18" charset="0"/>
+                      </a:endParaRPr>
+                    </a:p>
+                  </a:txBody>
+                  <a:tcPr marL="68580" marR="68580" marT="0" marB="0" anchor="b"/>
+                </a:tc>
+                <a:tc>
+                  <a:txBody>
+                    <a:bodyPr/>
+                    <a:lstStyle/>
+                    <a:p>
+                      <a:pPr algn="l">
+                        <a:lnSpc>
+                          <a:spcPct val="150000"/>
+                        </a:lnSpc>
+                        <a:spcAft>
+                          <a:spcPts val="0"/>
+                        </a:spcAft>
+                      </a:pPr>
+                      <a:r>
+                        <a:rPr lang="zh-CN" sz="900" kern="0">
+                          <a:effectLst/>
+                        </a:rPr>
+                        <a:t>项目配置管理计划</a:t>
+                      </a:r>
+                      <a:r>
+                        <a:rPr lang="en-US" sz="900" kern="0">
+                          <a:effectLst/>
+                        </a:rPr>
+                        <a:t>*</a:t>
+                      </a:r>
+                      <a:endParaRPr lang="zh-CN" sz="1050" kern="100">
+                        <a:effectLst/>
+                        <a:latin typeface="Calibri" panose="020F0502020204030204" pitchFamily="34" charset="0"/>
+                        <a:ea typeface="宋体" panose="02010600030101010101" pitchFamily="2" charset="-122"/>
+                        <a:cs typeface="Times New Roman" panose="02020603050405020304" pitchFamily="18" charset="0"/>
+                      </a:endParaRPr>
+                    </a:p>
+                  </a:txBody>
+                  <a:tcPr marL="68580" marR="68580" marT="0" marB="0" anchor="b"/>
+                </a:tc>
+                <a:tc>
+                  <a:txBody>
+                    <a:bodyPr/>
+                    <a:lstStyle/>
+                    <a:p>
+                      <a:pPr algn="ctr">
+                        <a:lnSpc>
+                          <a:spcPct val="150000"/>
+                        </a:lnSpc>
+                        <a:spcAft>
+                          <a:spcPts val="0"/>
+                        </a:spcAft>
+                      </a:pPr>
+                      <a:r>
+                        <a:rPr lang="zh-CN" sz="900" kern="0">
+                          <a:effectLst/>
+                        </a:rPr>
+                        <a:t>计划</a:t>
+                      </a:r>
+                      <a:endParaRPr lang="zh-CN" sz="1050" kern="100">
+                        <a:effectLst/>
+                        <a:latin typeface="Calibri" panose="020F0502020204030204" pitchFamily="34" charset="0"/>
+                        <a:ea typeface="宋体" panose="02010600030101010101" pitchFamily="2" charset="-122"/>
+                        <a:cs typeface="Times New Roman" panose="02020603050405020304" pitchFamily="18" charset="0"/>
+                      </a:endParaRPr>
+                    </a:p>
+                  </a:txBody>
+                  <a:tcPr marL="68580" marR="68580" marT="0" marB="0" anchor="b"/>
+                </a:tc>
+                <a:tc>
+                  <a:txBody>
+                    <a:bodyPr/>
+                    <a:lstStyle/>
+                    <a:p>
+                      <a:pPr algn="ctr">
+                        <a:lnSpc>
+                          <a:spcPct val="150000"/>
+                        </a:lnSpc>
+                        <a:spcAft>
+                          <a:spcPts val="0"/>
+                        </a:spcAft>
+                      </a:pPr>
+                      <a:r>
+                        <a:rPr lang="en-US" sz="900" kern="0">
+                          <a:effectLst/>
+                        </a:rPr>
+                        <a:t>SCM</a:t>
+                      </a:r>
+                      <a:endParaRPr lang="zh-CN" sz="1050" kern="100">
+                        <a:effectLst/>
+                        <a:latin typeface="Calibri" panose="020F0502020204030204" pitchFamily="34" charset="0"/>
+                        <a:ea typeface="宋体" panose="02010600030101010101" pitchFamily="2" charset="-122"/>
+                        <a:cs typeface="Times New Roman" panose="02020603050405020304" pitchFamily="18" charset="0"/>
+                      </a:endParaRPr>
+                    </a:p>
+                  </a:txBody>
+                  <a:tcPr marL="68580" marR="68580" marT="0" marB="0" anchor="b"/>
+                </a:tc>
+                <a:tc>
+                  <a:txBody>
+                    <a:bodyPr/>
+                    <a:lstStyle/>
+                    <a:p>
+                      <a:pPr algn="ctr">
+                        <a:lnSpc>
+                          <a:spcPct val="150000"/>
+                        </a:lnSpc>
+                        <a:spcAft>
+                          <a:spcPts val="0"/>
+                        </a:spcAft>
+                      </a:pPr>
+                      <a:r>
+                        <a:rPr lang="zh-CN" sz="900" kern="0">
+                          <a:effectLst/>
+                        </a:rPr>
+                        <a:t>已入库（√）</a:t>
+                      </a:r>
+                      <a:endParaRPr lang="zh-CN" sz="1050" kern="100">
+                        <a:effectLst/>
+                        <a:latin typeface="Calibri" panose="020F0502020204030204" pitchFamily="34" charset="0"/>
+                        <a:ea typeface="宋体" panose="02010600030101010101" pitchFamily="2" charset="-122"/>
+                        <a:cs typeface="Times New Roman" panose="02020603050405020304" pitchFamily="18" charset="0"/>
+                      </a:endParaRPr>
+                    </a:p>
+                  </a:txBody>
+                  <a:tcPr marL="68580" marR="68580" marT="0" marB="0" anchor="b"/>
+                </a:tc>
+                <a:extLst>
+                  <a:ext uri="{0D108BD9-81ED-4DB2-BD59-A6C34878D82A}">
+                    <a16:rowId xmlns:a16="http://schemas.microsoft.com/office/drawing/2014/main" val="1428455136"/>
+                  </a:ext>
+                </a:extLst>
+              </a:tr>
+              <a:tr h="142875">
+                <a:tc>
+                  <a:txBody>
+                    <a:bodyPr/>
+                    <a:lstStyle/>
+                    <a:p>
+                      <a:pPr algn="ctr">
+                        <a:lnSpc>
+                          <a:spcPct val="150000"/>
+                        </a:lnSpc>
+                        <a:spcAft>
+                          <a:spcPts val="0"/>
+                        </a:spcAft>
+                      </a:pPr>
+                      <a:r>
+                        <a:rPr lang="en-US" sz="900" kern="0">
+                          <a:effectLst/>
+                        </a:rPr>
+                        <a:t>5</a:t>
+                      </a:r>
+                      <a:endParaRPr lang="zh-CN" sz="1050" kern="100">
+                        <a:effectLst/>
+                        <a:latin typeface="Calibri" panose="020F0502020204030204" pitchFamily="34" charset="0"/>
+                        <a:ea typeface="宋体" panose="02010600030101010101" pitchFamily="2" charset="-122"/>
+                        <a:cs typeface="Times New Roman" panose="02020603050405020304" pitchFamily="18" charset="0"/>
+                      </a:endParaRPr>
+                    </a:p>
+                  </a:txBody>
+                  <a:tcPr marL="68580" marR="68580" marT="0" marB="0" anchor="b"/>
+                </a:tc>
+                <a:tc>
+                  <a:txBody>
+                    <a:bodyPr/>
+                    <a:lstStyle/>
+                    <a:p>
+                      <a:pPr algn="l">
+                        <a:lnSpc>
+                          <a:spcPct val="150000"/>
+                        </a:lnSpc>
+                        <a:spcAft>
+                          <a:spcPts val="0"/>
+                        </a:spcAft>
+                      </a:pPr>
+                      <a:r>
+                        <a:rPr lang="zh-CN" sz="900" kern="0">
+                          <a:effectLst/>
+                        </a:rPr>
+                        <a:t>测试计划</a:t>
+                      </a:r>
+                      <a:r>
+                        <a:rPr lang="en-US" sz="900" kern="0">
+                          <a:effectLst/>
+                        </a:rPr>
+                        <a:t>*</a:t>
+                      </a:r>
+                      <a:endParaRPr lang="zh-CN" sz="1050" kern="100">
+                        <a:effectLst/>
+                        <a:latin typeface="Calibri" panose="020F0502020204030204" pitchFamily="34" charset="0"/>
+                        <a:ea typeface="宋体" panose="02010600030101010101" pitchFamily="2" charset="-122"/>
+                        <a:cs typeface="Times New Roman" panose="02020603050405020304" pitchFamily="18" charset="0"/>
+                      </a:endParaRPr>
+                    </a:p>
+                  </a:txBody>
+                  <a:tcPr marL="68580" marR="68580" marT="0" marB="0" anchor="b"/>
+                </a:tc>
+                <a:tc>
+                  <a:txBody>
+                    <a:bodyPr/>
+                    <a:lstStyle/>
+                    <a:p>
+                      <a:pPr algn="ctr">
+                        <a:lnSpc>
+                          <a:spcPct val="150000"/>
+                        </a:lnSpc>
+                        <a:spcAft>
+                          <a:spcPts val="0"/>
+                        </a:spcAft>
+                      </a:pPr>
+                      <a:r>
+                        <a:rPr lang="zh-CN" sz="900" kern="0">
+                          <a:effectLst/>
+                        </a:rPr>
+                        <a:t>计划</a:t>
+                      </a:r>
+                      <a:endParaRPr lang="zh-CN" sz="1050" kern="100">
+                        <a:effectLst/>
+                        <a:latin typeface="Calibri" panose="020F0502020204030204" pitchFamily="34" charset="0"/>
+                        <a:ea typeface="宋体" panose="02010600030101010101" pitchFamily="2" charset="-122"/>
+                        <a:cs typeface="Times New Roman" panose="02020603050405020304" pitchFamily="18" charset="0"/>
+                      </a:endParaRPr>
+                    </a:p>
+                  </a:txBody>
+                  <a:tcPr marL="68580" marR="68580" marT="0" marB="0" anchor="b"/>
+                </a:tc>
+                <a:tc>
+                  <a:txBody>
+                    <a:bodyPr/>
+                    <a:lstStyle/>
+                    <a:p>
+                      <a:pPr algn="ctr">
+                        <a:lnSpc>
+                          <a:spcPct val="150000"/>
+                        </a:lnSpc>
+                        <a:spcAft>
+                          <a:spcPts val="0"/>
+                        </a:spcAft>
+                      </a:pPr>
+                      <a:r>
+                        <a:rPr lang="zh-CN" sz="900" kern="0">
+                          <a:effectLst/>
+                        </a:rPr>
+                        <a:t>测试人员</a:t>
+                      </a:r>
+                      <a:endParaRPr lang="zh-CN" sz="1050" kern="100">
+                        <a:effectLst/>
+                        <a:latin typeface="Calibri" panose="020F0502020204030204" pitchFamily="34" charset="0"/>
+                        <a:ea typeface="宋体" panose="02010600030101010101" pitchFamily="2" charset="-122"/>
+                        <a:cs typeface="Times New Roman" panose="02020603050405020304" pitchFamily="18" charset="0"/>
+                      </a:endParaRPr>
+                    </a:p>
+                  </a:txBody>
+                  <a:tcPr marL="68580" marR="68580" marT="0" marB="0" anchor="b"/>
+                </a:tc>
+                <a:tc>
+                  <a:txBody>
+                    <a:bodyPr/>
+                    <a:lstStyle/>
+                    <a:p>
+                      <a:endParaRPr lang="zh-CN" sz="1050" kern="100">
+                        <a:effectLst/>
+                        <a:latin typeface="Calibri" panose="020F0502020204030204" pitchFamily="34" charset="0"/>
+                        <a:cs typeface="Times New Roman" panose="02020603050405020304" pitchFamily="18" charset="0"/>
+                      </a:endParaRPr>
+                    </a:p>
+                  </a:txBody>
+                  <a:tcPr marL="68580" marR="68580" marT="0" marB="0" anchor="b"/>
+                </a:tc>
+                <a:extLst>
+                  <a:ext uri="{0D108BD9-81ED-4DB2-BD59-A6C34878D82A}">
+                    <a16:rowId xmlns:a16="http://schemas.microsoft.com/office/drawing/2014/main" val="883163250"/>
+                  </a:ext>
+                </a:extLst>
+              </a:tr>
+              <a:tr h="142875">
+                <a:tc>
+                  <a:txBody>
+                    <a:bodyPr/>
+                    <a:lstStyle/>
+                    <a:p>
+                      <a:pPr algn="ctr">
+                        <a:lnSpc>
+                          <a:spcPct val="150000"/>
+                        </a:lnSpc>
+                        <a:spcAft>
+                          <a:spcPts val="0"/>
+                        </a:spcAft>
+                      </a:pPr>
+                      <a:r>
+                        <a:rPr lang="en-US" sz="900" kern="0">
+                          <a:effectLst/>
+                        </a:rPr>
+                        <a:t>6</a:t>
+                      </a:r>
+                      <a:endParaRPr lang="zh-CN" sz="1050" kern="100">
+                        <a:effectLst/>
+                        <a:latin typeface="Calibri" panose="020F0502020204030204" pitchFamily="34" charset="0"/>
+                        <a:ea typeface="宋体" panose="02010600030101010101" pitchFamily="2" charset="-122"/>
+                        <a:cs typeface="Times New Roman" panose="02020603050405020304" pitchFamily="18" charset="0"/>
+                      </a:endParaRPr>
+                    </a:p>
+                  </a:txBody>
+                  <a:tcPr marL="68580" marR="68580" marT="0" marB="0" anchor="b"/>
+                </a:tc>
+                <a:tc>
+                  <a:txBody>
+                    <a:bodyPr/>
+                    <a:lstStyle/>
+                    <a:p>
+                      <a:pPr algn="l">
+                        <a:lnSpc>
+                          <a:spcPct val="150000"/>
+                        </a:lnSpc>
+                        <a:spcAft>
+                          <a:spcPts val="0"/>
+                        </a:spcAft>
+                      </a:pPr>
+                      <a:r>
+                        <a:rPr lang="zh-CN" sz="900" kern="0">
+                          <a:effectLst/>
+                        </a:rPr>
+                        <a:t>用户需求确认表</a:t>
+                      </a:r>
+                      <a:r>
+                        <a:rPr lang="en-US" sz="900" kern="0">
+                          <a:effectLst/>
+                        </a:rPr>
+                        <a:t>*</a:t>
+                      </a:r>
+                      <a:endParaRPr lang="zh-CN" sz="1050" kern="100">
+                        <a:effectLst/>
+                        <a:latin typeface="Calibri" panose="020F0502020204030204" pitchFamily="34" charset="0"/>
+                        <a:ea typeface="宋体" panose="02010600030101010101" pitchFamily="2" charset="-122"/>
+                        <a:cs typeface="Times New Roman" panose="02020603050405020304" pitchFamily="18" charset="0"/>
+                      </a:endParaRPr>
+                    </a:p>
+                  </a:txBody>
+                  <a:tcPr marL="68580" marR="68580" marT="0" marB="0" anchor="b"/>
+                </a:tc>
+                <a:tc>
+                  <a:txBody>
+                    <a:bodyPr/>
+                    <a:lstStyle/>
+                    <a:p>
+                      <a:pPr algn="ctr">
+                        <a:lnSpc>
+                          <a:spcPct val="150000"/>
+                        </a:lnSpc>
+                        <a:spcAft>
+                          <a:spcPts val="0"/>
+                        </a:spcAft>
+                      </a:pPr>
+                      <a:r>
+                        <a:rPr lang="zh-CN" sz="900" kern="0">
+                          <a:effectLst/>
+                        </a:rPr>
+                        <a:t>需求</a:t>
+                      </a:r>
+                      <a:endParaRPr lang="zh-CN" sz="1050" kern="100">
+                        <a:effectLst/>
+                        <a:latin typeface="Calibri" panose="020F0502020204030204" pitchFamily="34" charset="0"/>
+                        <a:ea typeface="宋体" panose="02010600030101010101" pitchFamily="2" charset="-122"/>
+                        <a:cs typeface="Times New Roman" panose="02020603050405020304" pitchFamily="18" charset="0"/>
+                      </a:endParaRPr>
+                    </a:p>
+                  </a:txBody>
+                  <a:tcPr marL="68580" marR="68580" marT="0" marB="0" anchor="b"/>
+                </a:tc>
+                <a:tc>
+                  <a:txBody>
+                    <a:bodyPr/>
+                    <a:lstStyle/>
+                    <a:p>
+                      <a:pPr algn="ctr">
+                        <a:lnSpc>
+                          <a:spcPct val="150000"/>
+                        </a:lnSpc>
+                        <a:spcAft>
+                          <a:spcPts val="0"/>
+                        </a:spcAft>
+                      </a:pPr>
+                      <a:r>
+                        <a:rPr lang="zh-CN" sz="900" kern="0">
+                          <a:effectLst/>
+                        </a:rPr>
+                        <a:t>产品经理</a:t>
+                      </a:r>
+                      <a:endParaRPr lang="zh-CN" sz="1050" kern="100">
+                        <a:effectLst/>
+                        <a:latin typeface="Calibri" panose="020F0502020204030204" pitchFamily="34" charset="0"/>
+                        <a:ea typeface="宋体" panose="02010600030101010101" pitchFamily="2" charset="-122"/>
+                        <a:cs typeface="Times New Roman" panose="02020603050405020304" pitchFamily="18" charset="0"/>
+                      </a:endParaRPr>
+                    </a:p>
+                  </a:txBody>
+                  <a:tcPr marL="68580" marR="68580" marT="0" marB="0" anchor="b"/>
+                </a:tc>
+                <a:tc>
+                  <a:txBody>
+                    <a:bodyPr/>
+                    <a:lstStyle/>
+                    <a:p>
+                      <a:pPr algn="ctr">
+                        <a:lnSpc>
+                          <a:spcPct val="150000"/>
+                        </a:lnSpc>
+                        <a:spcAft>
+                          <a:spcPts val="0"/>
+                        </a:spcAft>
+                      </a:pPr>
+                      <a:r>
+                        <a:rPr lang="zh-CN" sz="900" kern="0">
+                          <a:effectLst/>
+                        </a:rPr>
+                        <a:t>　</a:t>
+                      </a:r>
+                      <a:endParaRPr lang="zh-CN" sz="1050" kern="100">
+                        <a:effectLst/>
+                        <a:latin typeface="Calibri" panose="020F0502020204030204" pitchFamily="34" charset="0"/>
+                        <a:ea typeface="宋体" panose="02010600030101010101" pitchFamily="2" charset="-122"/>
+                        <a:cs typeface="Times New Roman" panose="02020603050405020304" pitchFamily="18" charset="0"/>
+                      </a:endParaRPr>
+                    </a:p>
+                  </a:txBody>
+                  <a:tcPr marL="68580" marR="68580" marT="0" marB="0" anchor="b"/>
+                </a:tc>
+                <a:extLst>
+                  <a:ext uri="{0D108BD9-81ED-4DB2-BD59-A6C34878D82A}">
+                    <a16:rowId xmlns:a16="http://schemas.microsoft.com/office/drawing/2014/main" val="14894850"/>
+                  </a:ext>
+                </a:extLst>
+              </a:tr>
+              <a:tr h="142875">
+                <a:tc>
+                  <a:txBody>
+                    <a:bodyPr/>
+                    <a:lstStyle/>
+                    <a:p>
+                      <a:pPr algn="ctr">
+                        <a:lnSpc>
+                          <a:spcPct val="150000"/>
+                        </a:lnSpc>
+                        <a:spcAft>
+                          <a:spcPts val="0"/>
+                        </a:spcAft>
+                      </a:pPr>
+                      <a:r>
+                        <a:rPr lang="en-US" sz="900" kern="0">
+                          <a:effectLst/>
+                        </a:rPr>
+                        <a:t>7</a:t>
+                      </a:r>
+                      <a:endParaRPr lang="zh-CN" sz="1050" kern="100">
+                        <a:effectLst/>
+                        <a:latin typeface="Calibri" panose="020F0502020204030204" pitchFamily="34" charset="0"/>
+                        <a:ea typeface="宋体" panose="02010600030101010101" pitchFamily="2" charset="-122"/>
+                        <a:cs typeface="Times New Roman" panose="02020603050405020304" pitchFamily="18" charset="0"/>
+                      </a:endParaRPr>
+                    </a:p>
+                  </a:txBody>
+                  <a:tcPr marL="68580" marR="68580" marT="0" marB="0" anchor="b"/>
+                </a:tc>
+                <a:tc>
+                  <a:txBody>
+                    <a:bodyPr/>
+                    <a:lstStyle/>
+                    <a:p>
+                      <a:pPr algn="l">
+                        <a:lnSpc>
+                          <a:spcPct val="150000"/>
+                        </a:lnSpc>
+                        <a:spcAft>
+                          <a:spcPts val="0"/>
+                        </a:spcAft>
+                      </a:pPr>
+                      <a:r>
+                        <a:rPr lang="zh-CN" sz="900" kern="0">
+                          <a:effectLst/>
+                        </a:rPr>
+                        <a:t>数据库设计方案</a:t>
+                      </a:r>
+                      <a:endParaRPr lang="zh-CN" sz="1050" kern="100">
+                        <a:effectLst/>
+                        <a:latin typeface="Calibri" panose="020F0502020204030204" pitchFamily="34" charset="0"/>
+                        <a:ea typeface="宋体" panose="02010600030101010101" pitchFamily="2" charset="-122"/>
+                        <a:cs typeface="Times New Roman" panose="02020603050405020304" pitchFamily="18" charset="0"/>
+                      </a:endParaRPr>
+                    </a:p>
+                  </a:txBody>
+                  <a:tcPr marL="68580" marR="68580" marT="0" marB="0" anchor="b"/>
+                </a:tc>
+                <a:tc>
+                  <a:txBody>
+                    <a:bodyPr/>
+                    <a:lstStyle/>
+                    <a:p>
+                      <a:pPr algn="ctr">
+                        <a:lnSpc>
+                          <a:spcPct val="150000"/>
+                        </a:lnSpc>
+                        <a:spcAft>
+                          <a:spcPts val="0"/>
+                        </a:spcAft>
+                      </a:pPr>
+                      <a:r>
+                        <a:rPr lang="zh-CN" sz="900" kern="0">
+                          <a:effectLst/>
+                        </a:rPr>
+                        <a:t>设计</a:t>
+                      </a:r>
+                      <a:endParaRPr lang="zh-CN" sz="1050" kern="100">
+                        <a:effectLst/>
+                        <a:latin typeface="Calibri" panose="020F0502020204030204" pitchFamily="34" charset="0"/>
+                        <a:ea typeface="宋体" panose="02010600030101010101" pitchFamily="2" charset="-122"/>
+                        <a:cs typeface="Times New Roman" panose="02020603050405020304" pitchFamily="18" charset="0"/>
+                      </a:endParaRPr>
+                    </a:p>
+                  </a:txBody>
+                  <a:tcPr marL="68580" marR="68580" marT="0" marB="0" anchor="b"/>
+                </a:tc>
+                <a:tc>
+                  <a:txBody>
+                    <a:bodyPr/>
+                    <a:lstStyle/>
+                    <a:p>
+                      <a:pPr algn="ctr">
+                        <a:lnSpc>
+                          <a:spcPct val="150000"/>
+                        </a:lnSpc>
+                        <a:spcAft>
+                          <a:spcPts val="0"/>
+                        </a:spcAft>
+                      </a:pPr>
+                      <a:r>
+                        <a:rPr lang="zh-CN" sz="900" kern="0">
+                          <a:effectLst/>
+                        </a:rPr>
+                        <a:t>开发人员</a:t>
+                      </a:r>
+                      <a:endParaRPr lang="zh-CN" sz="1050" kern="100">
+                        <a:effectLst/>
+                        <a:latin typeface="Calibri" panose="020F0502020204030204" pitchFamily="34" charset="0"/>
+                        <a:ea typeface="宋体" panose="02010600030101010101" pitchFamily="2" charset="-122"/>
+                        <a:cs typeface="Times New Roman" panose="02020603050405020304" pitchFamily="18" charset="0"/>
+                      </a:endParaRPr>
+                    </a:p>
+                  </a:txBody>
+                  <a:tcPr marL="68580" marR="68580" marT="0" marB="0" anchor="b"/>
+                </a:tc>
+                <a:tc>
+                  <a:txBody>
+                    <a:bodyPr/>
+                    <a:lstStyle/>
+                    <a:p>
+                      <a:pPr algn="ctr">
+                        <a:lnSpc>
+                          <a:spcPct val="150000"/>
+                        </a:lnSpc>
+                        <a:spcAft>
+                          <a:spcPts val="0"/>
+                        </a:spcAft>
+                      </a:pPr>
+                      <a:r>
+                        <a:rPr lang="zh-CN" sz="900" kern="0">
+                          <a:effectLst/>
+                        </a:rPr>
+                        <a:t>　</a:t>
+                      </a:r>
+                      <a:endParaRPr lang="zh-CN" sz="1050" kern="100">
+                        <a:effectLst/>
+                        <a:latin typeface="Calibri" panose="020F0502020204030204" pitchFamily="34" charset="0"/>
+                        <a:ea typeface="宋体" panose="02010600030101010101" pitchFamily="2" charset="-122"/>
+                        <a:cs typeface="Times New Roman" panose="02020603050405020304" pitchFamily="18" charset="0"/>
+                      </a:endParaRPr>
+                    </a:p>
+                  </a:txBody>
+                  <a:tcPr marL="68580" marR="68580" marT="0" marB="0" anchor="b"/>
+                </a:tc>
+                <a:extLst>
+                  <a:ext uri="{0D108BD9-81ED-4DB2-BD59-A6C34878D82A}">
+                    <a16:rowId xmlns:a16="http://schemas.microsoft.com/office/drawing/2014/main" val="1901630534"/>
+                  </a:ext>
+                </a:extLst>
+              </a:tr>
+              <a:tr h="142875">
+                <a:tc>
+                  <a:txBody>
+                    <a:bodyPr/>
+                    <a:lstStyle/>
+                    <a:p>
+                      <a:pPr algn="ctr">
+                        <a:lnSpc>
+                          <a:spcPct val="150000"/>
+                        </a:lnSpc>
+                        <a:spcAft>
+                          <a:spcPts val="0"/>
+                        </a:spcAft>
+                      </a:pPr>
+                      <a:r>
+                        <a:rPr lang="en-US" sz="900" kern="0">
+                          <a:effectLst/>
+                        </a:rPr>
+                        <a:t>8</a:t>
+                      </a:r>
+                      <a:endParaRPr lang="zh-CN" sz="1050" kern="100">
+                        <a:effectLst/>
+                        <a:latin typeface="Calibri" panose="020F0502020204030204" pitchFamily="34" charset="0"/>
+                        <a:ea typeface="宋体" panose="02010600030101010101" pitchFamily="2" charset="-122"/>
+                        <a:cs typeface="Times New Roman" panose="02020603050405020304" pitchFamily="18" charset="0"/>
+                      </a:endParaRPr>
+                    </a:p>
+                  </a:txBody>
+                  <a:tcPr marL="68580" marR="68580" marT="0" marB="0" anchor="b"/>
+                </a:tc>
+                <a:tc>
+                  <a:txBody>
+                    <a:bodyPr/>
+                    <a:lstStyle/>
+                    <a:p>
+                      <a:pPr algn="l">
+                        <a:lnSpc>
+                          <a:spcPct val="150000"/>
+                        </a:lnSpc>
+                        <a:spcAft>
+                          <a:spcPts val="0"/>
+                        </a:spcAft>
+                      </a:pPr>
+                      <a:r>
+                        <a:rPr lang="zh-CN" sz="900" kern="0">
+                          <a:effectLst/>
+                        </a:rPr>
+                        <a:t>系统设计方案</a:t>
+                      </a:r>
+                      <a:endParaRPr lang="zh-CN" sz="1050" kern="100">
+                        <a:effectLst/>
+                        <a:latin typeface="Calibri" panose="020F0502020204030204" pitchFamily="34" charset="0"/>
+                        <a:ea typeface="宋体" panose="02010600030101010101" pitchFamily="2" charset="-122"/>
+                        <a:cs typeface="Times New Roman" panose="02020603050405020304" pitchFamily="18" charset="0"/>
+                      </a:endParaRPr>
+                    </a:p>
+                  </a:txBody>
+                  <a:tcPr marL="68580" marR="68580" marT="0" marB="0" anchor="b"/>
+                </a:tc>
+                <a:tc>
+                  <a:txBody>
+                    <a:bodyPr/>
+                    <a:lstStyle/>
+                    <a:p>
+                      <a:pPr algn="ctr">
+                        <a:lnSpc>
+                          <a:spcPct val="150000"/>
+                        </a:lnSpc>
+                        <a:spcAft>
+                          <a:spcPts val="0"/>
+                        </a:spcAft>
+                      </a:pPr>
+                      <a:r>
+                        <a:rPr lang="zh-CN" sz="900" kern="0">
+                          <a:effectLst/>
+                        </a:rPr>
+                        <a:t>设计</a:t>
+                      </a:r>
+                      <a:endParaRPr lang="zh-CN" sz="1050" kern="100">
+                        <a:effectLst/>
+                        <a:latin typeface="Calibri" panose="020F0502020204030204" pitchFamily="34" charset="0"/>
+                        <a:ea typeface="宋体" panose="02010600030101010101" pitchFamily="2" charset="-122"/>
+                        <a:cs typeface="Times New Roman" panose="02020603050405020304" pitchFamily="18" charset="0"/>
+                      </a:endParaRPr>
+                    </a:p>
+                  </a:txBody>
+                  <a:tcPr marL="68580" marR="68580" marT="0" marB="0" anchor="b"/>
+                </a:tc>
+                <a:tc>
+                  <a:txBody>
+                    <a:bodyPr/>
+                    <a:lstStyle/>
+                    <a:p>
+                      <a:pPr algn="ctr">
+                        <a:lnSpc>
+                          <a:spcPct val="150000"/>
+                        </a:lnSpc>
+                        <a:spcAft>
+                          <a:spcPts val="0"/>
+                        </a:spcAft>
+                      </a:pPr>
+                      <a:r>
+                        <a:rPr lang="zh-CN" sz="900" kern="0">
+                          <a:effectLst/>
+                        </a:rPr>
+                        <a:t>开发人员</a:t>
+                      </a:r>
+                      <a:endParaRPr lang="zh-CN" sz="1050" kern="100">
+                        <a:effectLst/>
+                        <a:latin typeface="Calibri" panose="020F0502020204030204" pitchFamily="34" charset="0"/>
+                        <a:ea typeface="宋体" panose="02010600030101010101" pitchFamily="2" charset="-122"/>
+                        <a:cs typeface="Times New Roman" panose="02020603050405020304" pitchFamily="18" charset="0"/>
+                      </a:endParaRPr>
+                    </a:p>
+                  </a:txBody>
+                  <a:tcPr marL="68580" marR="68580" marT="0" marB="0" anchor="b"/>
+                </a:tc>
+                <a:tc>
+                  <a:txBody>
+                    <a:bodyPr/>
+                    <a:lstStyle/>
+                    <a:p>
+                      <a:pPr algn="ctr">
+                        <a:lnSpc>
+                          <a:spcPct val="150000"/>
+                        </a:lnSpc>
+                        <a:spcAft>
+                          <a:spcPts val="0"/>
+                        </a:spcAft>
+                      </a:pPr>
+                      <a:r>
+                        <a:rPr lang="zh-CN" sz="900" kern="0">
+                          <a:effectLst/>
+                        </a:rPr>
+                        <a:t>　</a:t>
+                      </a:r>
+                      <a:endParaRPr lang="zh-CN" sz="1050" kern="100">
+                        <a:effectLst/>
+                        <a:latin typeface="Calibri" panose="020F0502020204030204" pitchFamily="34" charset="0"/>
+                        <a:ea typeface="宋体" panose="02010600030101010101" pitchFamily="2" charset="-122"/>
+                        <a:cs typeface="Times New Roman" panose="02020603050405020304" pitchFamily="18" charset="0"/>
+                      </a:endParaRPr>
+                    </a:p>
+                  </a:txBody>
+                  <a:tcPr marL="68580" marR="68580" marT="0" marB="0" anchor="b"/>
+                </a:tc>
+                <a:extLst>
+                  <a:ext uri="{0D108BD9-81ED-4DB2-BD59-A6C34878D82A}">
+                    <a16:rowId xmlns:a16="http://schemas.microsoft.com/office/drawing/2014/main" val="836275675"/>
+                  </a:ext>
+                </a:extLst>
+              </a:tr>
+              <a:tr h="142875">
+                <a:tc>
+                  <a:txBody>
+                    <a:bodyPr/>
+                    <a:lstStyle/>
+                    <a:p>
+                      <a:pPr algn="ctr">
+                        <a:lnSpc>
+                          <a:spcPct val="150000"/>
+                        </a:lnSpc>
+                        <a:spcAft>
+                          <a:spcPts val="0"/>
+                        </a:spcAft>
+                      </a:pPr>
+                      <a:r>
+                        <a:rPr lang="en-US" sz="900" kern="0">
+                          <a:effectLst/>
+                        </a:rPr>
+                        <a:t>9</a:t>
+                      </a:r>
+                      <a:endParaRPr lang="zh-CN" sz="1050" kern="100">
+                        <a:effectLst/>
+                        <a:latin typeface="Calibri" panose="020F0502020204030204" pitchFamily="34" charset="0"/>
+                        <a:ea typeface="宋体" panose="02010600030101010101" pitchFamily="2" charset="-122"/>
+                        <a:cs typeface="Times New Roman" panose="02020603050405020304" pitchFamily="18" charset="0"/>
+                      </a:endParaRPr>
+                    </a:p>
+                  </a:txBody>
+                  <a:tcPr marL="68580" marR="68580" marT="0" marB="0" anchor="b"/>
+                </a:tc>
+                <a:tc>
+                  <a:txBody>
+                    <a:bodyPr/>
+                    <a:lstStyle/>
+                    <a:p>
+                      <a:pPr algn="l">
+                        <a:lnSpc>
+                          <a:spcPct val="150000"/>
+                        </a:lnSpc>
+                        <a:spcAft>
+                          <a:spcPts val="0"/>
+                        </a:spcAft>
+                      </a:pPr>
+                      <a:r>
+                        <a:rPr lang="zh-CN" sz="900" kern="0">
+                          <a:effectLst/>
+                        </a:rPr>
+                        <a:t>界面原型</a:t>
+                      </a:r>
+                      <a:endParaRPr lang="zh-CN" sz="1050" kern="100">
+                        <a:effectLst/>
+                        <a:latin typeface="Calibri" panose="020F0502020204030204" pitchFamily="34" charset="0"/>
+                        <a:ea typeface="宋体" panose="02010600030101010101" pitchFamily="2" charset="-122"/>
+                        <a:cs typeface="Times New Roman" panose="02020603050405020304" pitchFamily="18" charset="0"/>
+                      </a:endParaRPr>
+                    </a:p>
+                  </a:txBody>
+                  <a:tcPr marL="68580" marR="68580" marT="0" marB="0" anchor="b"/>
+                </a:tc>
+                <a:tc>
+                  <a:txBody>
+                    <a:bodyPr/>
+                    <a:lstStyle/>
+                    <a:p>
+                      <a:pPr algn="ctr">
+                        <a:lnSpc>
+                          <a:spcPct val="150000"/>
+                        </a:lnSpc>
+                        <a:spcAft>
+                          <a:spcPts val="0"/>
+                        </a:spcAft>
+                      </a:pPr>
+                      <a:r>
+                        <a:rPr lang="zh-CN" sz="900" kern="0">
+                          <a:effectLst/>
+                        </a:rPr>
+                        <a:t>设计</a:t>
+                      </a:r>
+                      <a:endParaRPr lang="zh-CN" sz="1050" kern="100">
+                        <a:effectLst/>
+                        <a:latin typeface="Calibri" panose="020F0502020204030204" pitchFamily="34" charset="0"/>
+                        <a:ea typeface="宋体" panose="02010600030101010101" pitchFamily="2" charset="-122"/>
+                        <a:cs typeface="Times New Roman" panose="02020603050405020304" pitchFamily="18" charset="0"/>
+                      </a:endParaRPr>
+                    </a:p>
+                  </a:txBody>
+                  <a:tcPr marL="68580" marR="68580" marT="0" marB="0" anchor="b"/>
+                </a:tc>
+                <a:tc>
+                  <a:txBody>
+                    <a:bodyPr/>
+                    <a:lstStyle/>
+                    <a:p>
+                      <a:pPr algn="ctr">
+                        <a:lnSpc>
+                          <a:spcPct val="150000"/>
+                        </a:lnSpc>
+                        <a:spcAft>
+                          <a:spcPts val="0"/>
+                        </a:spcAft>
+                      </a:pPr>
+                      <a:r>
+                        <a:rPr lang="zh-CN" sz="900" kern="0">
+                          <a:effectLst/>
+                        </a:rPr>
+                        <a:t>设计人员</a:t>
+                      </a:r>
+                      <a:endParaRPr lang="zh-CN" sz="1050" kern="100">
+                        <a:effectLst/>
+                        <a:latin typeface="Calibri" panose="020F0502020204030204" pitchFamily="34" charset="0"/>
+                        <a:ea typeface="宋体" panose="02010600030101010101" pitchFamily="2" charset="-122"/>
+                        <a:cs typeface="Times New Roman" panose="02020603050405020304" pitchFamily="18" charset="0"/>
+                      </a:endParaRPr>
+                    </a:p>
+                  </a:txBody>
+                  <a:tcPr marL="68580" marR="68580" marT="0" marB="0" anchor="b"/>
+                </a:tc>
+                <a:tc>
+                  <a:txBody>
+                    <a:bodyPr/>
+                    <a:lstStyle/>
+                    <a:p>
+                      <a:pPr algn="ctr">
+                        <a:lnSpc>
+                          <a:spcPct val="150000"/>
+                        </a:lnSpc>
+                        <a:spcAft>
+                          <a:spcPts val="0"/>
+                        </a:spcAft>
+                      </a:pPr>
+                      <a:r>
+                        <a:rPr lang="zh-CN" sz="900" kern="0">
+                          <a:effectLst/>
+                        </a:rPr>
+                        <a:t>　</a:t>
+                      </a:r>
+                      <a:endParaRPr lang="zh-CN" sz="1050" kern="100">
+                        <a:effectLst/>
+                        <a:latin typeface="Calibri" panose="020F0502020204030204" pitchFamily="34" charset="0"/>
+                        <a:ea typeface="宋体" panose="02010600030101010101" pitchFamily="2" charset="-122"/>
+                        <a:cs typeface="Times New Roman" panose="02020603050405020304" pitchFamily="18" charset="0"/>
+                      </a:endParaRPr>
+                    </a:p>
+                  </a:txBody>
+                  <a:tcPr marL="68580" marR="68580" marT="0" marB="0" anchor="b"/>
+                </a:tc>
+                <a:extLst>
+                  <a:ext uri="{0D108BD9-81ED-4DB2-BD59-A6C34878D82A}">
+                    <a16:rowId xmlns:a16="http://schemas.microsoft.com/office/drawing/2014/main" val="718390730"/>
+                  </a:ext>
+                </a:extLst>
+              </a:tr>
+              <a:tr h="142875">
+                <a:tc>
+                  <a:txBody>
+                    <a:bodyPr/>
+                    <a:lstStyle/>
+                    <a:p>
+                      <a:pPr algn="ctr">
+                        <a:lnSpc>
+                          <a:spcPct val="150000"/>
+                        </a:lnSpc>
+                        <a:spcAft>
+                          <a:spcPts val="0"/>
+                        </a:spcAft>
+                      </a:pPr>
+                      <a:r>
+                        <a:rPr lang="en-US" sz="900" kern="0">
+                          <a:effectLst/>
+                        </a:rPr>
+                        <a:t>10</a:t>
+                      </a:r>
+                      <a:endParaRPr lang="zh-CN" sz="1050" kern="100">
+                        <a:effectLst/>
+                        <a:latin typeface="Calibri" panose="020F0502020204030204" pitchFamily="34" charset="0"/>
+                        <a:ea typeface="宋体" panose="02010600030101010101" pitchFamily="2" charset="-122"/>
+                        <a:cs typeface="Times New Roman" panose="02020603050405020304" pitchFamily="18" charset="0"/>
+                      </a:endParaRPr>
+                    </a:p>
+                  </a:txBody>
+                  <a:tcPr marL="68580" marR="68580" marT="0" marB="0" anchor="b"/>
+                </a:tc>
+                <a:tc>
+                  <a:txBody>
+                    <a:bodyPr/>
+                    <a:lstStyle/>
+                    <a:p>
+                      <a:pPr algn="l">
+                        <a:lnSpc>
+                          <a:spcPct val="150000"/>
+                        </a:lnSpc>
+                        <a:spcAft>
+                          <a:spcPts val="0"/>
+                        </a:spcAft>
+                      </a:pPr>
+                      <a:r>
+                        <a:rPr lang="en-US" sz="900" kern="0">
+                          <a:effectLst/>
+                        </a:rPr>
+                        <a:t>code*</a:t>
+                      </a:r>
+                      <a:endParaRPr lang="zh-CN" sz="1050" kern="100">
+                        <a:effectLst/>
+                        <a:latin typeface="Calibri" panose="020F0502020204030204" pitchFamily="34" charset="0"/>
+                        <a:ea typeface="宋体" panose="02010600030101010101" pitchFamily="2" charset="-122"/>
+                        <a:cs typeface="Times New Roman" panose="02020603050405020304" pitchFamily="18" charset="0"/>
+                      </a:endParaRPr>
+                    </a:p>
+                  </a:txBody>
+                  <a:tcPr marL="68580" marR="68580" marT="0" marB="0" anchor="b"/>
+                </a:tc>
+                <a:tc>
+                  <a:txBody>
+                    <a:bodyPr/>
+                    <a:lstStyle/>
+                    <a:p>
+                      <a:pPr algn="ctr">
+                        <a:lnSpc>
+                          <a:spcPct val="150000"/>
+                        </a:lnSpc>
+                        <a:spcAft>
+                          <a:spcPts val="0"/>
+                        </a:spcAft>
+                      </a:pPr>
+                      <a:r>
+                        <a:rPr lang="zh-CN" sz="900" kern="0">
+                          <a:effectLst/>
+                        </a:rPr>
+                        <a:t>实现</a:t>
+                      </a:r>
+                      <a:endParaRPr lang="zh-CN" sz="1050" kern="100">
+                        <a:effectLst/>
+                        <a:latin typeface="Calibri" panose="020F0502020204030204" pitchFamily="34" charset="0"/>
+                        <a:ea typeface="宋体" panose="02010600030101010101" pitchFamily="2" charset="-122"/>
+                        <a:cs typeface="Times New Roman" panose="02020603050405020304" pitchFamily="18" charset="0"/>
+                      </a:endParaRPr>
+                    </a:p>
+                  </a:txBody>
+                  <a:tcPr marL="68580" marR="68580" marT="0" marB="0" anchor="b"/>
+                </a:tc>
+                <a:tc>
+                  <a:txBody>
+                    <a:bodyPr/>
+                    <a:lstStyle/>
+                    <a:p>
+                      <a:pPr algn="ctr">
+                        <a:lnSpc>
+                          <a:spcPct val="150000"/>
+                        </a:lnSpc>
+                        <a:spcAft>
+                          <a:spcPts val="0"/>
+                        </a:spcAft>
+                      </a:pPr>
+                      <a:r>
+                        <a:rPr lang="zh-CN" sz="900" kern="0">
+                          <a:effectLst/>
+                        </a:rPr>
+                        <a:t>开发人员</a:t>
+                      </a:r>
+                      <a:endParaRPr lang="zh-CN" sz="1050" kern="100">
+                        <a:effectLst/>
+                        <a:latin typeface="Calibri" panose="020F0502020204030204" pitchFamily="34" charset="0"/>
+                        <a:ea typeface="宋体" panose="02010600030101010101" pitchFamily="2" charset="-122"/>
+                        <a:cs typeface="Times New Roman" panose="02020603050405020304" pitchFamily="18" charset="0"/>
+                      </a:endParaRPr>
+                    </a:p>
+                  </a:txBody>
+                  <a:tcPr marL="68580" marR="68580" marT="0" marB="0" anchor="b"/>
+                </a:tc>
+                <a:tc>
+                  <a:txBody>
+                    <a:bodyPr/>
+                    <a:lstStyle/>
+                    <a:p>
+                      <a:pPr algn="ctr">
+                        <a:lnSpc>
+                          <a:spcPct val="150000"/>
+                        </a:lnSpc>
+                        <a:spcAft>
+                          <a:spcPts val="0"/>
+                        </a:spcAft>
+                      </a:pPr>
+                      <a:r>
+                        <a:rPr lang="zh-CN" sz="900" kern="0">
+                          <a:effectLst/>
+                        </a:rPr>
+                        <a:t>　</a:t>
+                      </a:r>
+                      <a:endParaRPr lang="zh-CN" sz="1050" kern="100">
+                        <a:effectLst/>
+                        <a:latin typeface="Calibri" panose="020F0502020204030204" pitchFamily="34" charset="0"/>
+                        <a:ea typeface="宋体" panose="02010600030101010101" pitchFamily="2" charset="-122"/>
+                        <a:cs typeface="Times New Roman" panose="02020603050405020304" pitchFamily="18" charset="0"/>
+                      </a:endParaRPr>
+                    </a:p>
+                  </a:txBody>
+                  <a:tcPr marL="68580" marR="68580" marT="0" marB="0" anchor="b"/>
+                </a:tc>
+                <a:extLst>
+                  <a:ext uri="{0D108BD9-81ED-4DB2-BD59-A6C34878D82A}">
+                    <a16:rowId xmlns:a16="http://schemas.microsoft.com/office/drawing/2014/main" val="2610278788"/>
+                  </a:ext>
+                </a:extLst>
+              </a:tr>
+              <a:tr h="142875">
+                <a:tc>
+                  <a:txBody>
+                    <a:bodyPr/>
+                    <a:lstStyle/>
+                    <a:p>
+                      <a:pPr algn="ctr">
+                        <a:lnSpc>
+                          <a:spcPct val="150000"/>
+                        </a:lnSpc>
+                        <a:spcAft>
+                          <a:spcPts val="0"/>
+                        </a:spcAft>
+                      </a:pPr>
+                      <a:r>
+                        <a:rPr lang="en-US" sz="900" kern="0">
+                          <a:effectLst/>
+                        </a:rPr>
+                        <a:t>11</a:t>
+                      </a:r>
+                      <a:endParaRPr lang="zh-CN" sz="1050" kern="100">
+                        <a:effectLst/>
+                        <a:latin typeface="Calibri" panose="020F0502020204030204" pitchFamily="34" charset="0"/>
+                        <a:ea typeface="宋体" panose="02010600030101010101" pitchFamily="2" charset="-122"/>
+                        <a:cs typeface="Times New Roman" panose="02020603050405020304" pitchFamily="18" charset="0"/>
+                      </a:endParaRPr>
+                    </a:p>
+                  </a:txBody>
+                  <a:tcPr marL="68580" marR="68580" marT="0" marB="0" anchor="b"/>
+                </a:tc>
+                <a:tc>
+                  <a:txBody>
+                    <a:bodyPr/>
+                    <a:lstStyle/>
+                    <a:p>
+                      <a:pPr algn="l">
+                        <a:lnSpc>
+                          <a:spcPct val="150000"/>
+                        </a:lnSpc>
+                        <a:spcAft>
+                          <a:spcPts val="0"/>
+                        </a:spcAft>
+                      </a:pPr>
+                      <a:r>
+                        <a:rPr lang="zh-CN" sz="900" kern="0">
+                          <a:effectLst/>
+                        </a:rPr>
+                        <a:t>测试方案</a:t>
+                      </a:r>
+                      <a:r>
+                        <a:rPr lang="en-US" sz="900" kern="0">
+                          <a:effectLst/>
+                        </a:rPr>
+                        <a:t>*</a:t>
+                      </a:r>
+                      <a:endParaRPr lang="zh-CN" sz="1050" kern="100">
+                        <a:effectLst/>
+                        <a:latin typeface="Calibri" panose="020F0502020204030204" pitchFamily="34" charset="0"/>
+                        <a:ea typeface="宋体" panose="02010600030101010101" pitchFamily="2" charset="-122"/>
+                        <a:cs typeface="Times New Roman" panose="02020603050405020304" pitchFamily="18" charset="0"/>
+                      </a:endParaRPr>
+                    </a:p>
+                  </a:txBody>
+                  <a:tcPr marL="68580" marR="68580" marT="0" marB="0" anchor="b"/>
+                </a:tc>
+                <a:tc>
+                  <a:txBody>
+                    <a:bodyPr/>
+                    <a:lstStyle/>
+                    <a:p>
+                      <a:pPr algn="ctr">
+                        <a:lnSpc>
+                          <a:spcPct val="150000"/>
+                        </a:lnSpc>
+                        <a:spcAft>
+                          <a:spcPts val="0"/>
+                        </a:spcAft>
+                      </a:pPr>
+                      <a:r>
+                        <a:rPr lang="zh-CN" sz="900" kern="0">
+                          <a:effectLst/>
+                        </a:rPr>
+                        <a:t>测试</a:t>
+                      </a:r>
+                      <a:endParaRPr lang="zh-CN" sz="1050" kern="100">
+                        <a:effectLst/>
+                        <a:latin typeface="Calibri" panose="020F0502020204030204" pitchFamily="34" charset="0"/>
+                        <a:ea typeface="宋体" panose="02010600030101010101" pitchFamily="2" charset="-122"/>
+                        <a:cs typeface="Times New Roman" panose="02020603050405020304" pitchFamily="18" charset="0"/>
+                      </a:endParaRPr>
+                    </a:p>
+                  </a:txBody>
+                  <a:tcPr marL="68580" marR="68580" marT="0" marB="0" anchor="b"/>
+                </a:tc>
+                <a:tc>
+                  <a:txBody>
+                    <a:bodyPr/>
+                    <a:lstStyle/>
+                    <a:p>
+                      <a:pPr algn="ctr">
+                        <a:lnSpc>
+                          <a:spcPct val="150000"/>
+                        </a:lnSpc>
+                        <a:spcAft>
+                          <a:spcPts val="0"/>
+                        </a:spcAft>
+                      </a:pPr>
+                      <a:r>
+                        <a:rPr lang="zh-CN" sz="900" kern="0">
+                          <a:effectLst/>
+                        </a:rPr>
+                        <a:t>测试人员</a:t>
+                      </a:r>
+                      <a:endParaRPr lang="zh-CN" sz="1050" kern="100">
+                        <a:effectLst/>
+                        <a:latin typeface="Calibri" panose="020F0502020204030204" pitchFamily="34" charset="0"/>
+                        <a:ea typeface="宋体" panose="02010600030101010101" pitchFamily="2" charset="-122"/>
+                        <a:cs typeface="Times New Roman" panose="02020603050405020304" pitchFamily="18" charset="0"/>
+                      </a:endParaRPr>
+                    </a:p>
+                  </a:txBody>
+                  <a:tcPr marL="68580" marR="68580" marT="0" marB="0" anchor="b"/>
+                </a:tc>
+                <a:tc>
+                  <a:txBody>
+                    <a:bodyPr/>
+                    <a:lstStyle/>
+                    <a:p>
+                      <a:pPr algn="ctr">
+                        <a:lnSpc>
+                          <a:spcPct val="150000"/>
+                        </a:lnSpc>
+                        <a:spcAft>
+                          <a:spcPts val="0"/>
+                        </a:spcAft>
+                      </a:pPr>
+                      <a:r>
+                        <a:rPr lang="zh-CN" sz="900" kern="0">
+                          <a:effectLst/>
+                        </a:rPr>
+                        <a:t>　</a:t>
+                      </a:r>
+                      <a:endParaRPr lang="zh-CN" sz="1050" kern="100">
+                        <a:effectLst/>
+                        <a:latin typeface="Calibri" panose="020F0502020204030204" pitchFamily="34" charset="0"/>
+                        <a:ea typeface="宋体" panose="02010600030101010101" pitchFamily="2" charset="-122"/>
+                        <a:cs typeface="Times New Roman" panose="02020603050405020304" pitchFamily="18" charset="0"/>
+                      </a:endParaRPr>
+                    </a:p>
+                  </a:txBody>
+                  <a:tcPr marL="68580" marR="68580" marT="0" marB="0" anchor="b"/>
+                </a:tc>
+                <a:extLst>
+                  <a:ext uri="{0D108BD9-81ED-4DB2-BD59-A6C34878D82A}">
+                    <a16:rowId xmlns:a16="http://schemas.microsoft.com/office/drawing/2014/main" val="398797841"/>
+                  </a:ext>
+                </a:extLst>
+              </a:tr>
+              <a:tr h="142875">
+                <a:tc>
+                  <a:txBody>
+                    <a:bodyPr/>
+                    <a:lstStyle/>
+                    <a:p>
+                      <a:pPr algn="ctr">
+                        <a:lnSpc>
+                          <a:spcPct val="150000"/>
+                        </a:lnSpc>
+                        <a:spcAft>
+                          <a:spcPts val="0"/>
+                        </a:spcAft>
+                      </a:pPr>
+                      <a:r>
+                        <a:rPr lang="en-US" sz="900" kern="0">
+                          <a:effectLst/>
+                        </a:rPr>
+                        <a:t>14</a:t>
+                      </a:r>
+                      <a:endParaRPr lang="zh-CN" sz="1050" kern="100">
+                        <a:effectLst/>
+                        <a:latin typeface="Calibri" panose="020F0502020204030204" pitchFamily="34" charset="0"/>
+                        <a:ea typeface="宋体" panose="02010600030101010101" pitchFamily="2" charset="-122"/>
+                        <a:cs typeface="Times New Roman" panose="02020603050405020304" pitchFamily="18" charset="0"/>
+                      </a:endParaRPr>
+                    </a:p>
+                  </a:txBody>
+                  <a:tcPr marL="68580" marR="68580" marT="0" marB="0" anchor="b"/>
+                </a:tc>
+                <a:tc>
+                  <a:txBody>
+                    <a:bodyPr/>
+                    <a:lstStyle/>
+                    <a:p>
+                      <a:pPr algn="l">
+                        <a:lnSpc>
+                          <a:spcPct val="150000"/>
+                        </a:lnSpc>
+                        <a:spcAft>
+                          <a:spcPts val="0"/>
+                        </a:spcAft>
+                      </a:pPr>
+                      <a:r>
+                        <a:rPr lang="zh-CN" sz="900" kern="0">
+                          <a:effectLst/>
+                        </a:rPr>
+                        <a:t>测试总结报告</a:t>
+                      </a:r>
+                      <a:r>
+                        <a:rPr lang="en-US" sz="900" kern="0">
+                          <a:effectLst/>
+                        </a:rPr>
+                        <a:t>*</a:t>
+                      </a:r>
+                      <a:endParaRPr lang="zh-CN" sz="1050" kern="100">
+                        <a:effectLst/>
+                        <a:latin typeface="Calibri" panose="020F0502020204030204" pitchFamily="34" charset="0"/>
+                        <a:ea typeface="宋体" panose="02010600030101010101" pitchFamily="2" charset="-122"/>
+                        <a:cs typeface="Times New Roman" panose="02020603050405020304" pitchFamily="18" charset="0"/>
+                      </a:endParaRPr>
+                    </a:p>
+                  </a:txBody>
+                  <a:tcPr marL="68580" marR="68580" marT="0" marB="0" anchor="b"/>
+                </a:tc>
+                <a:tc>
+                  <a:txBody>
+                    <a:bodyPr/>
+                    <a:lstStyle/>
+                    <a:p>
+                      <a:pPr algn="ctr">
+                        <a:lnSpc>
+                          <a:spcPct val="150000"/>
+                        </a:lnSpc>
+                        <a:spcAft>
+                          <a:spcPts val="0"/>
+                        </a:spcAft>
+                      </a:pPr>
+                      <a:r>
+                        <a:rPr lang="zh-CN" sz="900" kern="0">
+                          <a:effectLst/>
+                        </a:rPr>
+                        <a:t>交付</a:t>
+                      </a:r>
+                      <a:endParaRPr lang="zh-CN" sz="1050" kern="100">
+                        <a:effectLst/>
+                        <a:latin typeface="Calibri" panose="020F0502020204030204" pitchFamily="34" charset="0"/>
+                        <a:ea typeface="宋体" panose="02010600030101010101" pitchFamily="2" charset="-122"/>
+                        <a:cs typeface="Times New Roman" panose="02020603050405020304" pitchFamily="18" charset="0"/>
+                      </a:endParaRPr>
+                    </a:p>
+                  </a:txBody>
+                  <a:tcPr marL="68580" marR="68580" marT="0" marB="0" anchor="b"/>
+                </a:tc>
+                <a:tc>
+                  <a:txBody>
+                    <a:bodyPr/>
+                    <a:lstStyle/>
+                    <a:p>
+                      <a:pPr algn="ctr">
+                        <a:lnSpc>
+                          <a:spcPct val="150000"/>
+                        </a:lnSpc>
+                        <a:spcAft>
+                          <a:spcPts val="0"/>
+                        </a:spcAft>
+                      </a:pPr>
+                      <a:r>
+                        <a:rPr lang="zh-CN" sz="900" kern="0">
+                          <a:effectLst/>
+                        </a:rPr>
+                        <a:t>测试人员</a:t>
+                      </a:r>
+                      <a:endParaRPr lang="zh-CN" sz="1050" kern="100">
+                        <a:effectLst/>
+                        <a:latin typeface="Calibri" panose="020F0502020204030204" pitchFamily="34" charset="0"/>
+                        <a:ea typeface="宋体" panose="02010600030101010101" pitchFamily="2" charset="-122"/>
+                        <a:cs typeface="Times New Roman" panose="02020603050405020304" pitchFamily="18" charset="0"/>
+                      </a:endParaRPr>
+                    </a:p>
+                  </a:txBody>
+                  <a:tcPr marL="68580" marR="68580" marT="0" marB="0" anchor="b"/>
+                </a:tc>
+                <a:tc>
+                  <a:txBody>
+                    <a:bodyPr/>
+                    <a:lstStyle/>
+                    <a:p>
+                      <a:pPr algn="ctr">
+                        <a:lnSpc>
+                          <a:spcPct val="150000"/>
+                        </a:lnSpc>
+                        <a:spcAft>
+                          <a:spcPts val="0"/>
+                        </a:spcAft>
+                      </a:pPr>
+                      <a:r>
+                        <a:rPr lang="zh-CN" sz="900" kern="0">
+                          <a:effectLst/>
+                        </a:rPr>
+                        <a:t>　</a:t>
+                      </a:r>
+                      <a:endParaRPr lang="zh-CN" sz="1050" kern="100">
+                        <a:effectLst/>
+                        <a:latin typeface="Calibri" panose="020F0502020204030204" pitchFamily="34" charset="0"/>
+                        <a:ea typeface="宋体" panose="02010600030101010101" pitchFamily="2" charset="-122"/>
+                        <a:cs typeface="Times New Roman" panose="02020603050405020304" pitchFamily="18" charset="0"/>
+                      </a:endParaRPr>
+                    </a:p>
+                  </a:txBody>
+                  <a:tcPr marL="68580" marR="68580" marT="0" marB="0" anchor="b"/>
+                </a:tc>
+                <a:extLst>
+                  <a:ext uri="{0D108BD9-81ED-4DB2-BD59-A6C34878D82A}">
+                    <a16:rowId xmlns:a16="http://schemas.microsoft.com/office/drawing/2014/main" val="1011358093"/>
+                  </a:ext>
+                </a:extLst>
+              </a:tr>
+              <a:tr h="142875">
+                <a:tc>
+                  <a:txBody>
+                    <a:bodyPr/>
+                    <a:lstStyle/>
+                    <a:p>
+                      <a:pPr algn="ctr">
+                        <a:lnSpc>
+                          <a:spcPct val="150000"/>
+                        </a:lnSpc>
+                        <a:spcAft>
+                          <a:spcPts val="0"/>
+                        </a:spcAft>
+                      </a:pPr>
+                      <a:r>
+                        <a:rPr lang="en-US" sz="900" kern="0">
+                          <a:effectLst/>
+                        </a:rPr>
+                        <a:t>15</a:t>
+                      </a:r>
+                      <a:endParaRPr lang="zh-CN" sz="1050" kern="100">
+                        <a:effectLst/>
+                        <a:latin typeface="Calibri" panose="020F0502020204030204" pitchFamily="34" charset="0"/>
+                        <a:ea typeface="宋体" panose="02010600030101010101" pitchFamily="2" charset="-122"/>
+                        <a:cs typeface="Times New Roman" panose="02020603050405020304" pitchFamily="18" charset="0"/>
+                      </a:endParaRPr>
+                    </a:p>
+                  </a:txBody>
+                  <a:tcPr marL="68580" marR="68580" marT="0" marB="0" anchor="b"/>
+                </a:tc>
+                <a:tc>
+                  <a:txBody>
+                    <a:bodyPr/>
+                    <a:lstStyle/>
+                    <a:p>
+                      <a:pPr algn="l">
+                        <a:lnSpc>
+                          <a:spcPct val="150000"/>
+                        </a:lnSpc>
+                        <a:spcAft>
+                          <a:spcPts val="0"/>
+                        </a:spcAft>
+                      </a:pPr>
+                      <a:r>
+                        <a:rPr lang="zh-CN" sz="900" kern="0">
+                          <a:effectLst/>
+                        </a:rPr>
+                        <a:t>生产验证方案</a:t>
+                      </a:r>
+                      <a:r>
+                        <a:rPr lang="en-US" sz="900" kern="0">
+                          <a:effectLst/>
+                        </a:rPr>
+                        <a:t>*</a:t>
+                      </a:r>
+                      <a:endParaRPr lang="zh-CN" sz="1050" kern="100">
+                        <a:effectLst/>
+                        <a:latin typeface="Calibri" panose="020F0502020204030204" pitchFamily="34" charset="0"/>
+                        <a:ea typeface="宋体" panose="02010600030101010101" pitchFamily="2" charset="-122"/>
+                        <a:cs typeface="Times New Roman" panose="02020603050405020304" pitchFamily="18" charset="0"/>
+                      </a:endParaRPr>
+                    </a:p>
+                  </a:txBody>
+                  <a:tcPr marL="68580" marR="68580" marT="0" marB="0" anchor="b"/>
+                </a:tc>
+                <a:tc>
+                  <a:txBody>
+                    <a:bodyPr/>
+                    <a:lstStyle/>
+                    <a:p>
+                      <a:pPr algn="ctr">
+                        <a:lnSpc>
+                          <a:spcPct val="150000"/>
+                        </a:lnSpc>
+                        <a:spcAft>
+                          <a:spcPts val="0"/>
+                        </a:spcAft>
+                      </a:pPr>
+                      <a:r>
+                        <a:rPr lang="zh-CN" sz="900" kern="0">
+                          <a:effectLst/>
+                        </a:rPr>
+                        <a:t>交付</a:t>
+                      </a:r>
+                      <a:endParaRPr lang="zh-CN" sz="1050" kern="100">
+                        <a:effectLst/>
+                        <a:latin typeface="Calibri" panose="020F0502020204030204" pitchFamily="34" charset="0"/>
+                        <a:ea typeface="宋体" panose="02010600030101010101" pitchFamily="2" charset="-122"/>
+                        <a:cs typeface="Times New Roman" panose="02020603050405020304" pitchFamily="18" charset="0"/>
+                      </a:endParaRPr>
+                    </a:p>
+                  </a:txBody>
+                  <a:tcPr marL="68580" marR="68580" marT="0" marB="0" anchor="b"/>
+                </a:tc>
+                <a:tc>
+                  <a:txBody>
+                    <a:bodyPr/>
+                    <a:lstStyle/>
+                    <a:p>
+                      <a:pPr algn="ctr">
+                        <a:lnSpc>
+                          <a:spcPct val="150000"/>
+                        </a:lnSpc>
+                        <a:spcAft>
+                          <a:spcPts val="0"/>
+                        </a:spcAft>
+                      </a:pPr>
+                      <a:r>
+                        <a:rPr lang="zh-CN" sz="900" kern="0">
+                          <a:effectLst/>
+                        </a:rPr>
+                        <a:t>测试人员</a:t>
+                      </a:r>
+                      <a:endParaRPr lang="zh-CN" sz="1050" kern="100">
+                        <a:effectLst/>
+                        <a:latin typeface="Calibri" panose="020F0502020204030204" pitchFamily="34" charset="0"/>
+                        <a:ea typeface="宋体" panose="02010600030101010101" pitchFamily="2" charset="-122"/>
+                        <a:cs typeface="Times New Roman" panose="02020603050405020304" pitchFamily="18" charset="0"/>
+                      </a:endParaRPr>
+                    </a:p>
+                  </a:txBody>
+                  <a:tcPr marL="68580" marR="68580" marT="0" marB="0" anchor="b"/>
+                </a:tc>
+                <a:tc>
+                  <a:txBody>
+                    <a:bodyPr/>
+                    <a:lstStyle/>
+                    <a:p>
+                      <a:pPr algn="ctr">
+                        <a:lnSpc>
+                          <a:spcPct val="150000"/>
+                        </a:lnSpc>
+                        <a:spcAft>
+                          <a:spcPts val="0"/>
+                        </a:spcAft>
+                      </a:pPr>
+                      <a:r>
+                        <a:rPr lang="zh-CN" sz="900" kern="0">
+                          <a:effectLst/>
+                        </a:rPr>
+                        <a:t>　</a:t>
+                      </a:r>
+                      <a:endParaRPr lang="zh-CN" sz="1050" kern="100">
+                        <a:effectLst/>
+                        <a:latin typeface="Calibri" panose="020F0502020204030204" pitchFamily="34" charset="0"/>
+                        <a:ea typeface="宋体" panose="02010600030101010101" pitchFamily="2" charset="-122"/>
+                        <a:cs typeface="Times New Roman" panose="02020603050405020304" pitchFamily="18" charset="0"/>
+                      </a:endParaRPr>
+                    </a:p>
+                  </a:txBody>
+                  <a:tcPr marL="68580" marR="68580" marT="0" marB="0" anchor="b"/>
+                </a:tc>
+                <a:extLst>
+                  <a:ext uri="{0D108BD9-81ED-4DB2-BD59-A6C34878D82A}">
+                    <a16:rowId xmlns:a16="http://schemas.microsoft.com/office/drawing/2014/main" val="875275294"/>
+                  </a:ext>
+                </a:extLst>
+              </a:tr>
+              <a:tr h="142875">
+                <a:tc>
+                  <a:txBody>
+                    <a:bodyPr/>
+                    <a:lstStyle/>
+                    <a:p>
+                      <a:pPr algn="ctr">
+                        <a:lnSpc>
+                          <a:spcPct val="150000"/>
+                        </a:lnSpc>
+                        <a:spcAft>
+                          <a:spcPts val="0"/>
+                        </a:spcAft>
+                      </a:pPr>
+                      <a:r>
+                        <a:rPr lang="en-US" sz="900" kern="0">
+                          <a:effectLst/>
+                        </a:rPr>
+                        <a:t>16</a:t>
+                      </a:r>
+                      <a:endParaRPr lang="zh-CN" sz="1050" kern="100">
+                        <a:effectLst/>
+                        <a:latin typeface="Calibri" panose="020F0502020204030204" pitchFamily="34" charset="0"/>
+                        <a:ea typeface="宋体" panose="02010600030101010101" pitchFamily="2" charset="-122"/>
+                        <a:cs typeface="Times New Roman" panose="02020603050405020304" pitchFamily="18" charset="0"/>
+                      </a:endParaRPr>
+                    </a:p>
+                  </a:txBody>
+                  <a:tcPr marL="68580" marR="68580" marT="0" marB="0" anchor="b"/>
+                </a:tc>
+                <a:tc>
+                  <a:txBody>
+                    <a:bodyPr/>
+                    <a:lstStyle/>
+                    <a:p>
+                      <a:pPr algn="l">
+                        <a:lnSpc>
+                          <a:spcPct val="150000"/>
+                        </a:lnSpc>
+                        <a:spcAft>
+                          <a:spcPts val="0"/>
+                        </a:spcAft>
+                      </a:pPr>
+                      <a:r>
+                        <a:rPr lang="en-US" sz="900" kern="0">
+                          <a:effectLst/>
+                        </a:rPr>
+                        <a:t>RleaseNote*</a:t>
+                      </a:r>
+                      <a:endParaRPr lang="zh-CN" sz="1050" kern="100">
+                        <a:effectLst/>
+                        <a:latin typeface="Calibri" panose="020F0502020204030204" pitchFamily="34" charset="0"/>
+                        <a:ea typeface="宋体" panose="02010600030101010101" pitchFamily="2" charset="-122"/>
+                        <a:cs typeface="Times New Roman" panose="02020603050405020304" pitchFamily="18" charset="0"/>
+                      </a:endParaRPr>
+                    </a:p>
+                  </a:txBody>
+                  <a:tcPr marL="68580" marR="68580" marT="0" marB="0" anchor="b"/>
+                </a:tc>
+                <a:tc>
+                  <a:txBody>
+                    <a:bodyPr/>
+                    <a:lstStyle/>
+                    <a:p>
+                      <a:pPr algn="ctr">
+                        <a:lnSpc>
+                          <a:spcPct val="150000"/>
+                        </a:lnSpc>
+                        <a:spcAft>
+                          <a:spcPts val="0"/>
+                        </a:spcAft>
+                      </a:pPr>
+                      <a:r>
+                        <a:rPr lang="zh-CN" sz="900" kern="0">
+                          <a:effectLst/>
+                        </a:rPr>
+                        <a:t>交付</a:t>
+                      </a:r>
+                      <a:endParaRPr lang="zh-CN" sz="1050" kern="100">
+                        <a:effectLst/>
+                        <a:latin typeface="Calibri" panose="020F0502020204030204" pitchFamily="34" charset="0"/>
+                        <a:ea typeface="宋体" panose="02010600030101010101" pitchFamily="2" charset="-122"/>
+                        <a:cs typeface="Times New Roman" panose="02020603050405020304" pitchFamily="18" charset="0"/>
+                      </a:endParaRPr>
+                    </a:p>
+                  </a:txBody>
+                  <a:tcPr marL="68580" marR="68580" marT="0" marB="0" anchor="b"/>
+                </a:tc>
+                <a:tc>
+                  <a:txBody>
+                    <a:bodyPr/>
+                    <a:lstStyle/>
+                    <a:p>
+                      <a:pPr algn="ctr">
+                        <a:lnSpc>
+                          <a:spcPct val="150000"/>
+                        </a:lnSpc>
+                        <a:spcAft>
+                          <a:spcPts val="0"/>
+                        </a:spcAft>
+                      </a:pPr>
+                      <a:r>
+                        <a:rPr lang="zh-CN" sz="900" kern="0">
+                          <a:effectLst/>
+                        </a:rPr>
+                        <a:t>项目经理</a:t>
+                      </a:r>
+                      <a:endParaRPr lang="zh-CN" sz="1050" kern="100">
+                        <a:effectLst/>
+                        <a:latin typeface="Calibri" panose="020F0502020204030204" pitchFamily="34" charset="0"/>
+                        <a:ea typeface="宋体" panose="02010600030101010101" pitchFamily="2" charset="-122"/>
+                        <a:cs typeface="Times New Roman" panose="02020603050405020304" pitchFamily="18" charset="0"/>
+                      </a:endParaRPr>
+                    </a:p>
+                  </a:txBody>
+                  <a:tcPr marL="68580" marR="68580" marT="0" marB="0" anchor="b"/>
+                </a:tc>
+                <a:tc>
+                  <a:txBody>
+                    <a:bodyPr/>
+                    <a:lstStyle/>
+                    <a:p>
+                      <a:pPr algn="ctr">
+                        <a:lnSpc>
+                          <a:spcPct val="150000"/>
+                        </a:lnSpc>
+                        <a:spcAft>
+                          <a:spcPts val="0"/>
+                        </a:spcAft>
+                      </a:pPr>
+                      <a:r>
+                        <a:rPr lang="zh-CN" sz="900" kern="0">
+                          <a:effectLst/>
+                        </a:rPr>
+                        <a:t>　</a:t>
+                      </a:r>
+                      <a:endParaRPr lang="zh-CN" sz="1050" kern="100">
+                        <a:effectLst/>
+                        <a:latin typeface="Calibri" panose="020F0502020204030204" pitchFamily="34" charset="0"/>
+                        <a:ea typeface="宋体" panose="02010600030101010101" pitchFamily="2" charset="-122"/>
+                        <a:cs typeface="Times New Roman" panose="02020603050405020304" pitchFamily="18" charset="0"/>
+                      </a:endParaRPr>
+                    </a:p>
+                  </a:txBody>
+                  <a:tcPr marL="68580" marR="68580" marT="0" marB="0" anchor="b"/>
+                </a:tc>
+                <a:extLst>
+                  <a:ext uri="{0D108BD9-81ED-4DB2-BD59-A6C34878D82A}">
+                    <a16:rowId xmlns:a16="http://schemas.microsoft.com/office/drawing/2014/main" val="3500120821"/>
+                  </a:ext>
+                </a:extLst>
+              </a:tr>
+              <a:tr h="142875">
+                <a:tc>
+                  <a:txBody>
+                    <a:bodyPr/>
+                    <a:lstStyle/>
+                    <a:p>
+                      <a:pPr algn="ctr">
+                        <a:lnSpc>
+                          <a:spcPct val="150000"/>
+                        </a:lnSpc>
+                        <a:spcAft>
+                          <a:spcPts val="0"/>
+                        </a:spcAft>
+                      </a:pPr>
+                      <a:r>
+                        <a:rPr lang="en-US" sz="900" kern="0">
+                          <a:effectLst/>
+                        </a:rPr>
+                        <a:t>17</a:t>
+                      </a:r>
+                      <a:endParaRPr lang="zh-CN" sz="1050" kern="100">
+                        <a:effectLst/>
+                        <a:latin typeface="Calibri" panose="020F0502020204030204" pitchFamily="34" charset="0"/>
+                        <a:ea typeface="宋体" panose="02010600030101010101" pitchFamily="2" charset="-122"/>
+                        <a:cs typeface="Times New Roman" panose="02020603050405020304" pitchFamily="18" charset="0"/>
+                      </a:endParaRPr>
+                    </a:p>
+                  </a:txBody>
+                  <a:tcPr marL="68580" marR="68580" marT="0" marB="0" anchor="b"/>
+                </a:tc>
+                <a:tc>
+                  <a:txBody>
+                    <a:bodyPr/>
+                    <a:lstStyle/>
+                    <a:p>
+                      <a:pPr algn="l">
+                        <a:lnSpc>
+                          <a:spcPct val="150000"/>
+                        </a:lnSpc>
+                        <a:spcAft>
+                          <a:spcPts val="0"/>
+                        </a:spcAft>
+                      </a:pPr>
+                      <a:r>
+                        <a:rPr lang="zh-CN" sz="900" kern="0">
+                          <a:effectLst/>
+                        </a:rPr>
+                        <a:t>发布</a:t>
+                      </a:r>
+                      <a:r>
+                        <a:rPr lang="en-US" sz="900" kern="0">
+                          <a:effectLst/>
+                        </a:rPr>
+                        <a:t>Sql</a:t>
+                      </a:r>
+                      <a:endParaRPr lang="zh-CN" sz="1050" kern="100">
+                        <a:effectLst/>
+                        <a:latin typeface="Calibri" panose="020F0502020204030204" pitchFamily="34" charset="0"/>
+                        <a:ea typeface="宋体" panose="02010600030101010101" pitchFamily="2" charset="-122"/>
+                        <a:cs typeface="Times New Roman" panose="02020603050405020304" pitchFamily="18" charset="0"/>
+                      </a:endParaRPr>
+                    </a:p>
+                  </a:txBody>
+                  <a:tcPr marL="68580" marR="68580" marT="0" marB="0" anchor="b"/>
+                </a:tc>
+                <a:tc>
+                  <a:txBody>
+                    <a:bodyPr/>
+                    <a:lstStyle/>
+                    <a:p>
+                      <a:pPr algn="ctr">
+                        <a:lnSpc>
+                          <a:spcPct val="150000"/>
+                        </a:lnSpc>
+                        <a:spcAft>
+                          <a:spcPts val="0"/>
+                        </a:spcAft>
+                      </a:pPr>
+                      <a:r>
+                        <a:rPr lang="zh-CN" sz="900" kern="0">
+                          <a:effectLst/>
+                        </a:rPr>
+                        <a:t>交付</a:t>
+                      </a:r>
+                      <a:endParaRPr lang="zh-CN" sz="1050" kern="100">
+                        <a:effectLst/>
+                        <a:latin typeface="Calibri" panose="020F0502020204030204" pitchFamily="34" charset="0"/>
+                        <a:ea typeface="宋体" panose="02010600030101010101" pitchFamily="2" charset="-122"/>
+                        <a:cs typeface="Times New Roman" panose="02020603050405020304" pitchFamily="18" charset="0"/>
+                      </a:endParaRPr>
+                    </a:p>
+                  </a:txBody>
+                  <a:tcPr marL="68580" marR="68580" marT="0" marB="0" anchor="b"/>
+                </a:tc>
+                <a:tc>
+                  <a:txBody>
+                    <a:bodyPr/>
+                    <a:lstStyle/>
+                    <a:p>
+                      <a:pPr algn="ctr">
+                        <a:lnSpc>
+                          <a:spcPct val="150000"/>
+                        </a:lnSpc>
+                        <a:spcAft>
+                          <a:spcPts val="0"/>
+                        </a:spcAft>
+                      </a:pPr>
+                      <a:r>
+                        <a:rPr lang="zh-CN" sz="900" kern="0">
+                          <a:effectLst/>
+                        </a:rPr>
+                        <a:t>运维人员</a:t>
+                      </a:r>
+                      <a:endParaRPr lang="zh-CN" sz="1050" kern="100">
+                        <a:effectLst/>
+                        <a:latin typeface="Calibri" panose="020F0502020204030204" pitchFamily="34" charset="0"/>
+                        <a:ea typeface="宋体" panose="02010600030101010101" pitchFamily="2" charset="-122"/>
+                        <a:cs typeface="Times New Roman" panose="02020603050405020304" pitchFamily="18" charset="0"/>
+                      </a:endParaRPr>
+                    </a:p>
+                  </a:txBody>
+                  <a:tcPr marL="68580" marR="68580" marT="0" marB="0" anchor="b"/>
+                </a:tc>
+                <a:tc>
+                  <a:txBody>
+                    <a:bodyPr/>
+                    <a:lstStyle/>
+                    <a:p>
+                      <a:pPr algn="ctr">
+                        <a:lnSpc>
+                          <a:spcPct val="150000"/>
+                        </a:lnSpc>
+                        <a:spcAft>
+                          <a:spcPts val="0"/>
+                        </a:spcAft>
+                      </a:pPr>
+                      <a:r>
+                        <a:rPr lang="zh-CN" sz="900" kern="0">
+                          <a:effectLst/>
+                        </a:rPr>
+                        <a:t>　</a:t>
+                      </a:r>
+                      <a:endParaRPr lang="zh-CN" sz="1050" kern="100">
+                        <a:effectLst/>
+                        <a:latin typeface="Calibri" panose="020F0502020204030204" pitchFamily="34" charset="0"/>
+                        <a:ea typeface="宋体" panose="02010600030101010101" pitchFamily="2" charset="-122"/>
+                        <a:cs typeface="Times New Roman" panose="02020603050405020304" pitchFamily="18" charset="0"/>
+                      </a:endParaRPr>
+                    </a:p>
+                  </a:txBody>
+                  <a:tcPr marL="68580" marR="68580" marT="0" marB="0" anchor="b"/>
+                </a:tc>
+                <a:extLst>
+                  <a:ext uri="{0D108BD9-81ED-4DB2-BD59-A6C34878D82A}">
+                    <a16:rowId xmlns:a16="http://schemas.microsoft.com/office/drawing/2014/main" val="12116232"/>
+                  </a:ext>
+                </a:extLst>
+              </a:tr>
+              <a:tr h="142875">
+                <a:tc>
+                  <a:txBody>
+                    <a:bodyPr/>
+                    <a:lstStyle/>
+                    <a:p>
+                      <a:pPr algn="ctr">
+                        <a:lnSpc>
+                          <a:spcPct val="150000"/>
+                        </a:lnSpc>
+                        <a:spcAft>
+                          <a:spcPts val="0"/>
+                        </a:spcAft>
+                      </a:pPr>
+                      <a:r>
+                        <a:rPr lang="en-US" sz="900" kern="0">
+                          <a:effectLst/>
+                        </a:rPr>
+                        <a:t>18</a:t>
+                      </a:r>
+                      <a:endParaRPr lang="zh-CN" sz="1050" kern="100">
+                        <a:effectLst/>
+                        <a:latin typeface="Calibri" panose="020F0502020204030204" pitchFamily="34" charset="0"/>
+                        <a:ea typeface="宋体" panose="02010600030101010101" pitchFamily="2" charset="-122"/>
+                        <a:cs typeface="Times New Roman" panose="02020603050405020304" pitchFamily="18" charset="0"/>
+                      </a:endParaRPr>
+                    </a:p>
+                  </a:txBody>
+                  <a:tcPr marL="68580" marR="68580" marT="0" marB="0" anchor="b"/>
+                </a:tc>
+                <a:tc>
+                  <a:txBody>
+                    <a:bodyPr/>
+                    <a:lstStyle/>
+                    <a:p>
+                      <a:pPr algn="l">
+                        <a:lnSpc>
+                          <a:spcPct val="150000"/>
+                        </a:lnSpc>
+                        <a:spcAft>
+                          <a:spcPts val="0"/>
+                        </a:spcAft>
+                      </a:pPr>
+                      <a:r>
+                        <a:rPr lang="zh-CN" sz="900" kern="0">
+                          <a:effectLst/>
+                        </a:rPr>
+                        <a:t>配置状态报告</a:t>
+                      </a:r>
+                      <a:r>
+                        <a:rPr lang="en-US" sz="900" kern="0">
+                          <a:effectLst/>
+                        </a:rPr>
+                        <a:t>*</a:t>
+                      </a:r>
+                      <a:endParaRPr lang="zh-CN" sz="1050" kern="100">
+                        <a:effectLst/>
+                        <a:latin typeface="Calibri" panose="020F0502020204030204" pitchFamily="34" charset="0"/>
+                        <a:ea typeface="宋体" panose="02010600030101010101" pitchFamily="2" charset="-122"/>
+                        <a:cs typeface="Times New Roman" panose="02020603050405020304" pitchFamily="18" charset="0"/>
+                      </a:endParaRPr>
+                    </a:p>
+                  </a:txBody>
+                  <a:tcPr marL="68580" marR="68580" marT="0" marB="0" anchor="b"/>
+                </a:tc>
+                <a:tc>
+                  <a:txBody>
+                    <a:bodyPr/>
+                    <a:lstStyle/>
+                    <a:p>
+                      <a:pPr algn="ctr">
+                        <a:lnSpc>
+                          <a:spcPct val="150000"/>
+                        </a:lnSpc>
+                        <a:spcAft>
+                          <a:spcPts val="0"/>
+                        </a:spcAft>
+                      </a:pPr>
+                      <a:r>
+                        <a:rPr lang="zh-CN" sz="900" kern="0">
+                          <a:effectLst/>
+                        </a:rPr>
+                        <a:t>交付</a:t>
+                      </a:r>
+                      <a:endParaRPr lang="zh-CN" sz="1050" kern="100">
+                        <a:effectLst/>
+                        <a:latin typeface="Calibri" panose="020F0502020204030204" pitchFamily="34" charset="0"/>
+                        <a:ea typeface="宋体" panose="02010600030101010101" pitchFamily="2" charset="-122"/>
+                        <a:cs typeface="Times New Roman" panose="02020603050405020304" pitchFamily="18" charset="0"/>
+                      </a:endParaRPr>
+                    </a:p>
+                  </a:txBody>
+                  <a:tcPr marL="68580" marR="68580" marT="0" marB="0" anchor="b"/>
+                </a:tc>
+                <a:tc>
+                  <a:txBody>
+                    <a:bodyPr/>
+                    <a:lstStyle/>
+                    <a:p>
+                      <a:pPr algn="ctr">
+                        <a:lnSpc>
+                          <a:spcPct val="150000"/>
+                        </a:lnSpc>
+                        <a:spcAft>
+                          <a:spcPts val="0"/>
+                        </a:spcAft>
+                      </a:pPr>
+                      <a:r>
+                        <a:rPr lang="en-US" sz="900" kern="0">
+                          <a:effectLst/>
+                        </a:rPr>
+                        <a:t>SCM</a:t>
+                      </a:r>
+                      <a:endParaRPr lang="zh-CN" sz="1050" kern="100">
+                        <a:effectLst/>
+                        <a:latin typeface="Calibri" panose="020F0502020204030204" pitchFamily="34" charset="0"/>
+                        <a:ea typeface="宋体" panose="02010600030101010101" pitchFamily="2" charset="-122"/>
+                        <a:cs typeface="Times New Roman" panose="02020603050405020304" pitchFamily="18" charset="0"/>
+                      </a:endParaRPr>
+                    </a:p>
+                  </a:txBody>
+                  <a:tcPr marL="68580" marR="68580" marT="0" marB="0" anchor="b"/>
+                </a:tc>
+                <a:tc>
+                  <a:txBody>
+                    <a:bodyPr/>
+                    <a:lstStyle/>
+                    <a:p>
+                      <a:pPr algn="ctr">
+                        <a:lnSpc>
+                          <a:spcPct val="150000"/>
+                        </a:lnSpc>
+                        <a:spcAft>
+                          <a:spcPts val="0"/>
+                        </a:spcAft>
+                      </a:pPr>
+                      <a:r>
+                        <a:rPr lang="zh-CN" sz="900" kern="0">
+                          <a:effectLst/>
+                        </a:rPr>
+                        <a:t>　</a:t>
+                      </a:r>
+                      <a:endParaRPr lang="zh-CN" sz="1050" kern="100">
+                        <a:effectLst/>
+                        <a:latin typeface="Calibri" panose="020F0502020204030204" pitchFamily="34" charset="0"/>
+                        <a:ea typeface="宋体" panose="02010600030101010101" pitchFamily="2" charset="-122"/>
+                        <a:cs typeface="Times New Roman" panose="02020603050405020304" pitchFamily="18" charset="0"/>
+                      </a:endParaRPr>
+                    </a:p>
+                  </a:txBody>
+                  <a:tcPr marL="68580" marR="68580" marT="0" marB="0" anchor="b"/>
+                </a:tc>
+                <a:extLst>
+                  <a:ext uri="{0D108BD9-81ED-4DB2-BD59-A6C34878D82A}">
+                    <a16:rowId xmlns:a16="http://schemas.microsoft.com/office/drawing/2014/main" val="3751410773"/>
+                  </a:ext>
+                </a:extLst>
+              </a:tr>
+              <a:tr h="142875">
+                <a:tc>
+                  <a:txBody>
+                    <a:bodyPr/>
+                    <a:lstStyle/>
+                    <a:p>
+                      <a:pPr algn="ctr">
+                        <a:lnSpc>
+                          <a:spcPct val="150000"/>
+                        </a:lnSpc>
+                        <a:spcAft>
+                          <a:spcPts val="0"/>
+                        </a:spcAft>
+                      </a:pPr>
+                      <a:r>
+                        <a:rPr lang="en-US" sz="900" kern="0">
+                          <a:effectLst/>
+                        </a:rPr>
+                        <a:t>19</a:t>
+                      </a:r>
+                      <a:endParaRPr lang="zh-CN" sz="1050" kern="100">
+                        <a:effectLst/>
+                        <a:latin typeface="Calibri" panose="020F0502020204030204" pitchFamily="34" charset="0"/>
+                        <a:ea typeface="宋体" panose="02010600030101010101" pitchFamily="2" charset="-122"/>
+                        <a:cs typeface="Times New Roman" panose="02020603050405020304" pitchFamily="18" charset="0"/>
+                      </a:endParaRPr>
+                    </a:p>
+                  </a:txBody>
+                  <a:tcPr marL="68580" marR="68580" marT="0" marB="0" anchor="b"/>
+                </a:tc>
+                <a:tc>
+                  <a:txBody>
+                    <a:bodyPr/>
+                    <a:lstStyle/>
+                    <a:p>
+                      <a:pPr algn="l">
+                        <a:lnSpc>
+                          <a:spcPct val="150000"/>
+                        </a:lnSpc>
+                        <a:spcAft>
+                          <a:spcPts val="0"/>
+                        </a:spcAft>
+                      </a:pPr>
+                      <a:r>
+                        <a:rPr lang="zh-CN" sz="900" kern="0">
+                          <a:effectLst/>
+                        </a:rPr>
+                        <a:t>用户手册</a:t>
+                      </a:r>
+                      <a:r>
+                        <a:rPr lang="en-US" sz="900" kern="0">
+                          <a:effectLst/>
+                        </a:rPr>
+                        <a:t>*</a:t>
+                      </a:r>
+                      <a:endParaRPr lang="zh-CN" sz="1050" kern="100">
+                        <a:effectLst/>
+                        <a:latin typeface="Calibri" panose="020F0502020204030204" pitchFamily="34" charset="0"/>
+                        <a:ea typeface="宋体" panose="02010600030101010101" pitchFamily="2" charset="-122"/>
+                        <a:cs typeface="Times New Roman" panose="02020603050405020304" pitchFamily="18" charset="0"/>
+                      </a:endParaRPr>
+                    </a:p>
+                  </a:txBody>
+                  <a:tcPr marL="68580" marR="68580" marT="0" marB="0" anchor="b"/>
+                </a:tc>
+                <a:tc>
+                  <a:txBody>
+                    <a:bodyPr/>
+                    <a:lstStyle/>
+                    <a:p>
+                      <a:pPr algn="ctr">
+                        <a:lnSpc>
+                          <a:spcPct val="150000"/>
+                        </a:lnSpc>
+                        <a:spcAft>
+                          <a:spcPts val="0"/>
+                        </a:spcAft>
+                      </a:pPr>
+                      <a:r>
+                        <a:rPr lang="zh-CN" sz="900" kern="0">
+                          <a:effectLst/>
+                        </a:rPr>
+                        <a:t>验收</a:t>
+                      </a:r>
+                      <a:endParaRPr lang="zh-CN" sz="1050" kern="100">
+                        <a:effectLst/>
+                        <a:latin typeface="Calibri" panose="020F0502020204030204" pitchFamily="34" charset="0"/>
+                        <a:ea typeface="宋体" panose="02010600030101010101" pitchFamily="2" charset="-122"/>
+                        <a:cs typeface="Times New Roman" panose="02020603050405020304" pitchFamily="18" charset="0"/>
+                      </a:endParaRPr>
+                    </a:p>
+                  </a:txBody>
+                  <a:tcPr marL="68580" marR="68580" marT="0" marB="0" anchor="b"/>
+                </a:tc>
+                <a:tc>
+                  <a:txBody>
+                    <a:bodyPr/>
+                    <a:lstStyle/>
+                    <a:p>
+                      <a:pPr algn="ctr">
+                        <a:lnSpc>
+                          <a:spcPct val="150000"/>
+                        </a:lnSpc>
+                        <a:spcAft>
+                          <a:spcPts val="0"/>
+                        </a:spcAft>
+                      </a:pPr>
+                      <a:r>
+                        <a:rPr lang="zh-CN" sz="900" kern="0">
+                          <a:effectLst/>
+                        </a:rPr>
+                        <a:t>产品经理</a:t>
+                      </a:r>
+                      <a:endParaRPr lang="zh-CN" sz="1050" kern="100">
+                        <a:effectLst/>
+                        <a:latin typeface="Calibri" panose="020F0502020204030204" pitchFamily="34" charset="0"/>
+                        <a:ea typeface="宋体" panose="02010600030101010101" pitchFamily="2" charset="-122"/>
+                        <a:cs typeface="Times New Roman" panose="02020603050405020304" pitchFamily="18" charset="0"/>
+                      </a:endParaRPr>
+                    </a:p>
+                  </a:txBody>
+                  <a:tcPr marL="68580" marR="68580" marT="0" marB="0" anchor="b"/>
+                </a:tc>
+                <a:tc>
+                  <a:txBody>
+                    <a:bodyPr/>
+                    <a:lstStyle/>
+                    <a:p>
+                      <a:pPr algn="ctr">
+                        <a:lnSpc>
+                          <a:spcPct val="150000"/>
+                        </a:lnSpc>
+                        <a:spcAft>
+                          <a:spcPts val="0"/>
+                        </a:spcAft>
+                      </a:pPr>
+                      <a:r>
+                        <a:rPr lang="zh-CN" sz="900" kern="0" dirty="0">
+                          <a:effectLst/>
+                        </a:rPr>
+                        <a:t>　</a:t>
+                      </a:r>
+                      <a:endParaRPr lang="zh-CN" sz="1050" kern="100" dirty="0">
+                        <a:effectLst/>
+                        <a:latin typeface="Calibri" panose="020F0502020204030204" pitchFamily="34" charset="0"/>
+                        <a:ea typeface="宋体" panose="02010600030101010101" pitchFamily="2" charset="-122"/>
+                        <a:cs typeface="Times New Roman" panose="02020603050405020304" pitchFamily="18" charset="0"/>
+                      </a:endParaRPr>
+                    </a:p>
+                  </a:txBody>
+                  <a:tcPr marL="68580" marR="68580" marT="0" marB="0" anchor="b"/>
+                </a:tc>
+                <a:extLst>
+                  <a:ext uri="{0D108BD9-81ED-4DB2-BD59-A6C34878D82A}">
+                    <a16:rowId xmlns:a16="http://schemas.microsoft.com/office/drawing/2014/main" val="2005856856"/>
+                  </a:ext>
+                </a:extLst>
+              </a:tr>
+            </a:tbl>
+          </a:graphicData>
+        </a:graphic>
+      </p:graphicFrame>
     </p:spTree>
     <p:extLst>
       <p:ext uri="{BB962C8B-B14F-4D97-AF65-F5344CB8AC3E}">
@@ -29817,8 +32833,8 @@
         </p:nvSpPr>
         <p:spPr>
           <a:xfrm>
-            <a:off x="3402449" y="3437085"/>
-            <a:ext cx="2339103" cy="523220"/>
+            <a:off x="3654924" y="3437085"/>
+            <a:ext cx="1834156" cy="400110"/>
           </a:xfrm>
           <a:prstGeom prst="rect">
             <a:avLst/>
@@ -29833,7 +32849,7 @@
           <a:p>
             <a:pPr algn="ctr"/>
             <a:r>
-              <a:rPr kumimoji="1" lang="zh-CN" altLang="en-US" sz="2800" b="1" dirty="0" smtClean="0">
+              <a:rPr kumimoji="1" lang="zh-CN" altLang="en-US" sz="2000" dirty="0" smtClean="0">
                 <a:solidFill>
                   <a:schemeClr val="accent1"/>
                 </a:solidFill>
@@ -29841,9 +32857,42 @@
                 <a:ea typeface="Microsoft YaHei" charset="0"/>
                 <a:cs typeface="Microsoft YaHei" charset="0"/>
               </a:rPr>
-              <a:t>在此插入内容</a:t>
-            </a:r>
-            <a:endParaRPr kumimoji="1" lang="zh-CN" altLang="en-US" sz="2800" b="1" dirty="0">
+              <a:t>配置管理</a:t>
+            </a:r>
+            <a:r>
+              <a:rPr kumimoji="1" lang="en-US" altLang="zh-CN" sz="2000" dirty="0" smtClean="0">
+                <a:solidFill>
+                  <a:schemeClr val="accent1"/>
+                </a:solidFill>
+                <a:latin typeface="Microsoft YaHei" charset="0"/>
+                <a:ea typeface="Microsoft YaHei" charset="0"/>
+                <a:cs typeface="Microsoft YaHei" charset="0"/>
+              </a:rPr>
+              <a:t>-</a:t>
+            </a:r>
+            <a:r>
+              <a:rPr kumimoji="1" lang="zh-CN" altLang="en-US" sz="2000" dirty="0" smtClean="0">
+                <a:solidFill>
+                  <a:schemeClr val="accent1"/>
+                </a:solidFill>
+                <a:latin typeface="Microsoft YaHei" charset="0"/>
+                <a:ea typeface="Microsoft YaHei" charset="0"/>
+                <a:cs typeface="Microsoft YaHei" charset="0"/>
+              </a:rPr>
+              <a:t>王</a:t>
+            </a:r>
+            <a:r>
+              <a:rPr kumimoji="1" lang="zh-CN" altLang="en-US" sz="2000" dirty="0">
+                <a:solidFill>
+                  <a:schemeClr val="accent1"/>
+                </a:solidFill>
+                <a:latin typeface="Microsoft YaHei" charset="0"/>
+                <a:ea typeface="Microsoft YaHei" charset="0"/>
+                <a:cs typeface="Microsoft YaHei" charset="0"/>
+              </a:rPr>
+              <a:t>晶</a:t>
+            </a:r>
+            <a:endParaRPr kumimoji="1" lang="zh-CN" altLang="en-US" sz="2000" dirty="0">
               <a:solidFill>
                 <a:schemeClr val="accent2"/>
               </a:solidFill>
@@ -30026,7 +33075,7 @@
           <p:spPr>
             <a:xfrm>
               <a:off x="4818135" y="1057976"/>
-              <a:ext cx="915614" cy="915614"/>
+              <a:ext cx="915614" cy="933774"/>
             </a:xfrm>
             <a:prstGeom prst="ellipse">
               <a:avLst/>
@@ -30160,13 +33209,15 @@
         <p:sp>
           <p:nvSpPr>
             <p:cNvPr id="8" name="椭圆 7"/>
-            <p:cNvSpPr/>
+            <p:cNvSpPr>
+              <a:spLocks/>
+            </p:cNvSpPr>
             <p:nvPr/>
           </p:nvSpPr>
           <p:spPr>
             <a:xfrm>
               <a:off x="4818135" y="2070960"/>
-              <a:ext cx="915614" cy="915614"/>
+              <a:ext cx="915614" cy="933773"/>
             </a:xfrm>
             <a:prstGeom prst="ellipse">
               <a:avLst/>
@@ -30351,7 +33402,7 @@
           <p:spPr>
             <a:xfrm>
               <a:off x="4818135" y="4096929"/>
-              <a:ext cx="915614" cy="915614"/>
+              <a:ext cx="915615" cy="933773"/>
             </a:xfrm>
             <a:prstGeom prst="ellipse">
               <a:avLst/>
@@ -30509,7 +33560,7 @@
           <p:spPr>
             <a:xfrm>
               <a:off x="4818135" y="3083944"/>
-              <a:ext cx="915614" cy="915614"/>
+              <a:ext cx="915614" cy="933774"/>
             </a:xfrm>
             <a:prstGeom prst="ellipse">
               <a:avLst/>
@@ -30904,11 +33955,15 @@
           <a:p>
             <a:r>
               <a:rPr lang="zh-CN" altLang="en-US" dirty="0" smtClean="0"/>
-              <a:t>开发人员在本地环境进行构</a:t>
+              <a:t>构建环境：一般为开发人员本</a:t>
             </a:r>
             <a:r>
               <a:rPr lang="zh-CN" altLang="en-US" dirty="0" smtClean="0"/>
-              <a:t>建</a:t>
+              <a:t>地环</a:t>
+            </a:r>
+            <a:r>
+              <a:rPr lang="zh-CN" altLang="en-US" dirty="0" smtClean="0"/>
+              <a:t>境</a:t>
             </a:r>
             <a:endParaRPr lang="en-US" altLang="zh-CN" dirty="0" smtClean="0"/>
           </a:p>
@@ -30919,30 +33974,55 @@
             </a:r>
             <a:r>
               <a:rPr lang="zh-CN" altLang="en-US" dirty="0" smtClean="0"/>
-              <a:t>建工具</a:t>
-            </a:r>
-            <a:endParaRPr lang="en-US" altLang="zh-CN" dirty="0" smtClean="0"/>
-          </a:p>
-          <a:p>
+              <a:t>建工</a:t>
+            </a:r>
+            <a:r>
+              <a:rPr lang="zh-CN" altLang="en-US" dirty="0" smtClean="0"/>
+              <a:t>具</a:t>
+            </a:r>
+            <a:r>
+              <a:rPr lang="zh-CN" altLang="en-US" dirty="0" smtClean="0"/>
+              <a:t>：</a:t>
+            </a:r>
             <a:r>
               <a:rPr lang="en-US" altLang="zh-CN" dirty="0" smtClean="0"/>
               <a:t>Maven</a:t>
             </a:r>
-          </a:p>
-          <a:p>
+            <a:r>
+              <a:rPr lang="zh-CN" altLang="en-US" dirty="0"/>
+              <a:t>、</a:t>
+            </a:r>
             <a:r>
               <a:rPr lang="en-US" altLang="zh-CN" dirty="0" smtClean="0"/>
               <a:t>Ant</a:t>
             </a:r>
-          </a:p>
-          <a:p>
+            <a:r>
+              <a:rPr lang="zh-CN" altLang="en-US" dirty="0"/>
+              <a:t>、</a:t>
+            </a:r>
             <a:r>
               <a:rPr lang="en-US" altLang="zh-CN" dirty="0" err="1" smtClean="0"/>
               <a:t>Gradle</a:t>
             </a:r>
+            <a:r>
+              <a:rPr lang="en-US" altLang="zh-CN" dirty="0" smtClean="0"/>
+              <a:t> </a:t>
+            </a:r>
+            <a:r>
+              <a:rPr lang="zh-CN" altLang="en-US" dirty="0" smtClean="0"/>
+              <a:t>等</a:t>
+            </a:r>
             <a:endParaRPr lang="en-US" altLang="zh-CN" dirty="0" smtClean="0"/>
           </a:p>
           <a:p>
+            <a:r>
+              <a:rPr lang="zh-CN" altLang="en-US" dirty="0"/>
+              <a:t>触</a:t>
+            </a:r>
+            <a:r>
+              <a:rPr lang="zh-CN" altLang="en-US" dirty="0" smtClean="0"/>
+              <a:t>发方式：手动触发</a:t>
+            </a:r>
             <a:endParaRPr lang="zh-CN" altLang="en-US" dirty="0"/>
           </a:p>
         </p:txBody>
@@ -30993,12 +34073,12 @@
           <a:lstStyle/>
           <a:p>
             <a:r>
-              <a:rPr lang="en-US" altLang="zh-CN" dirty="0" smtClean="0"/>
-              <a:t>Jenkins</a:t>
-            </a:r>
-            <a:r>
               <a:rPr lang="zh-CN" altLang="en-US" dirty="0" smtClean="0"/>
-              <a:t>自动构建</a:t>
+              <a:t>自</a:t>
+            </a:r>
+            <a:r>
+              <a:rPr lang="zh-CN" altLang="en-US" dirty="0" smtClean="0"/>
+              <a:t>动构建</a:t>
             </a:r>
             <a:endParaRPr lang="zh-CN" altLang="en-US" dirty="0"/>
           </a:p>
@@ -31021,7 +34101,45 @@
           <a:p>
             <a:r>
               <a:rPr lang="zh-CN" altLang="en-US" dirty="0" smtClean="0"/>
-              <a:t>待补充</a:t>
+              <a:t>构建环境：服务器标准环境</a:t>
+            </a:r>
+            <a:endParaRPr lang="en-US" altLang="zh-CN" dirty="0" smtClean="0"/>
+          </a:p>
+          <a:p>
+            <a:r>
+              <a:rPr lang="zh-CN" altLang="en-US" dirty="0" smtClean="0"/>
+              <a:t>构建工具：</a:t>
+            </a:r>
+            <a:r>
+              <a:rPr lang="en-US" altLang="zh-CN" dirty="0" smtClean="0"/>
+              <a:t>Jenkins</a:t>
+            </a:r>
+            <a:r>
+              <a:rPr lang="zh-CN" altLang="en-US" dirty="0"/>
+              <a:t>平</a:t>
+            </a:r>
+            <a:r>
+              <a:rPr lang="zh-CN" altLang="en-US" dirty="0" smtClean="0"/>
+              <a:t>台</a:t>
+            </a:r>
+            <a:r>
+              <a:rPr lang="en-US" altLang="zh-CN" dirty="0" smtClean="0"/>
+              <a:t>+</a:t>
+            </a:r>
+            <a:r>
+              <a:rPr lang="zh-CN" altLang="en-US" dirty="0" smtClean="0"/>
+              <a:t>插</a:t>
+            </a:r>
+            <a:r>
+              <a:rPr lang="zh-CN" altLang="en-US" dirty="0" smtClean="0"/>
+              <a:t>件</a:t>
+            </a:r>
+            <a:endParaRPr lang="en-US" altLang="zh-CN" dirty="0" smtClean="0"/>
+          </a:p>
+          <a:p>
+            <a:r>
+              <a:rPr lang="zh-CN" altLang="en-US" dirty="0" smtClean="0"/>
+              <a:t>触发方式：多种触发方式</a:t>
             </a:r>
             <a:endParaRPr lang="zh-CN" altLang="en-US" dirty="0"/>
           </a:p>
@@ -31430,6 +34548,51 @@
               </a:rPr>
               <a:t>	</a:t>
             </a:r>
+            <a:endParaRPr lang="en-US" altLang="zh-CN" sz="1400" dirty="0" smtClean="0">
+              <a:solidFill>
+                <a:srgbClr val="FF0000"/>
+              </a:solidFill>
+            </a:endParaRPr>
+          </a:p>
+          <a:p>
+            <a:pPr marL="0" indent="0">
+              <a:buNone/>
+            </a:pPr>
+            <a:endParaRPr kumimoji="1" lang="en-US" altLang="zh-CN" sz="1400" b="1" dirty="0">
+              <a:solidFill>
+                <a:srgbClr val="FF0000"/>
+              </a:solidFill>
+              <a:latin typeface="Microsoft YaHei" charset="0"/>
+              <a:ea typeface="Microsoft YaHei" charset="0"/>
+              <a:cs typeface="Microsoft YaHei" charset="0"/>
+            </a:endParaRPr>
+          </a:p>
+          <a:p>
+            <a:pPr marL="0" indent="0">
+              <a:buNone/>
+            </a:pPr>
+            <a:r>
+              <a:rPr kumimoji="1" lang="en-US" altLang="zh-CN" sz="1400" b="1" dirty="0" smtClean="0">
+                <a:solidFill>
+                  <a:srgbClr val="FF0000"/>
+                </a:solidFill>
+                <a:latin typeface="Microsoft YaHei" charset="0"/>
+                <a:ea typeface="Microsoft YaHei" charset="0"/>
+                <a:cs typeface="Microsoft YaHei" charset="0"/>
+              </a:rPr>
+              <a:t>	</a:t>
+            </a:r>
+            <a:r>
+              <a:rPr kumimoji="1" lang="zh-CN" altLang="en-US" sz="1400" b="1" dirty="0" smtClean="0">
+                <a:solidFill>
+                  <a:srgbClr val="F53F53"/>
+                </a:solidFill>
+                <a:latin typeface="Microsoft YaHei" charset="0"/>
+                <a:ea typeface="Microsoft YaHei" charset="0"/>
+                <a:cs typeface="Microsoft YaHei" charset="0"/>
+              </a:rPr>
+              <a:t>主</a:t>
+            </a:r>
             <a:r>
               <a:rPr kumimoji="1" lang="zh-CN" altLang="en-US" sz="1400" b="1" dirty="0">
                 <a:solidFill>
@@ -31439,7 +34602,7 @@
                 <a:ea typeface="Microsoft YaHei" charset="0"/>
                 <a:cs typeface="Microsoft YaHei" charset="0"/>
               </a:rPr>
-              <a:t>主版本号变更时，从版本号和补丁版本号应归零</a:t>
+              <a:t>版本号变更时，从版本号和补丁版本号应归零</a:t>
             </a:r>
           </a:p>
         </p:txBody>
@@ -31467,7 +34630,7 @@
         </p:blipFill>
         <p:spPr>
           <a:xfrm>
-            <a:off x="2828808" y="4005064"/>
+            <a:off x="2861990" y="4005064"/>
             <a:ext cx="3676015" cy="1347470"/>
           </a:xfrm>
           <a:prstGeom prst="rect">
@@ -31488,7 +34651,7 @@
         </p:nvSpPr>
         <p:spPr bwMode="auto">
           <a:xfrm>
-            <a:off x="1547664" y="3284985"/>
+            <a:off x="1619672" y="5497152"/>
             <a:ext cx="360039" cy="453650"/>
           </a:xfrm>
           <a:custGeom>
@@ -32240,7 +35403,12 @@
             <p:ph type="body" sz="quarter" idx="11"/>
           </p:nvPr>
         </p:nvSpPr>
-        <p:spPr/>
+        <p:spPr>
+          <a:xfrm>
+            <a:off x="1059861" y="1068329"/>
+            <a:ext cx="7280275" cy="4882473"/>
+          </a:xfrm>
+        </p:spPr>
         <p:txBody>
           <a:bodyPr/>
           <a:lstStyle/>
@@ -32257,11 +35425,7 @@
             </a:pPr>
             <a:r>
               <a:rPr lang="zh-CN" altLang="en-US" dirty="0" smtClean="0"/>
-              <a:t>周二、</a:t>
-            </a:r>
-            <a:r>
-              <a:rPr lang="zh-CN" altLang="en-US" dirty="0" smtClean="0"/>
-              <a:t>四为固定发布日</a:t>
+              <a:t>周二、四为固定发布日</a:t>
             </a:r>
             <a:endParaRPr lang="en-US" altLang="zh-CN" dirty="0" smtClean="0"/>
           </a:p>
@@ -32271,11 +35435,7 @@
             </a:pPr>
             <a:r>
               <a:rPr lang="zh-CN" altLang="en-US" dirty="0" smtClean="0"/>
-              <a:t>提</a:t>
-            </a:r>
-            <a:r>
-              <a:rPr lang="zh-CN" altLang="en-US" dirty="0" smtClean="0"/>
-              <a:t>前</a:t>
+              <a:t>提前</a:t>
             </a:r>
             <a:r>
               <a:rPr lang="en-US" altLang="zh-CN" dirty="0" smtClean="0"/>
@@ -32334,11 +35494,11 @@
             </a:pPr>
             <a:r>
               <a:rPr lang="zh-CN" altLang="en-US" dirty="0" smtClean="0"/>
-              <a:t>周一、三、</a:t>
+              <a:t>周一、三、五为临时发布</a:t>
             </a:r>
             <a:r>
               <a:rPr lang="zh-CN" altLang="en-US" dirty="0" smtClean="0"/>
-              <a:t>五为临时发布日</a:t>
+              <a:t>日</a:t>
             </a:r>
             <a:endParaRPr lang="en-US" altLang="zh-CN" dirty="0" smtClean="0"/>
           </a:p>
@@ -32346,10 +35506,19 @@
             <a:pPr marL="0" indent="0">
               <a:buNone/>
             </a:pPr>
+            <a:r>
+              <a:rPr lang="zh-CN" altLang="zh-CN" dirty="0"/>
+              <a:t>紧急发布应补提相关</a:t>
+            </a:r>
+            <a:r>
+              <a:rPr lang="en-US" altLang="zh-CN" dirty="0" smtClean="0"/>
+              <a:t>ECP</a:t>
+            </a:r>
+            <a:r>
+              <a:rPr lang="zh-CN" altLang="zh-CN" dirty="0" smtClean="0"/>
+              <a:t>流程</a:t>
+            </a:r>
             <a:endParaRPr lang="en-US" altLang="zh-CN" dirty="0" smtClean="0"/>
-          </a:p>
-          <a:p>
-            <a:endParaRPr lang="zh-CN" altLang="en-US" dirty="0"/>
           </a:p>
         </p:txBody>
       </p:sp>
@@ -32447,11 +35616,7 @@
             </a:r>
             <a:r>
               <a:rPr lang="en-US" altLang="zh-CN" dirty="0" smtClean="0"/>
-              <a:t>&lt;=</a:t>
-            </a:r>
-            <a:r>
-              <a:rPr lang="en-US" altLang="zh-CN" dirty="0" smtClean="0"/>
-              <a:t>3</a:t>
+              <a:t>&lt;=3</a:t>
             </a:r>
             <a:r>
               <a:rPr lang="zh-CN" altLang="zh-CN" dirty="0" smtClean="0"/>
@@ -32463,26 +35628,18 @@
             </a:r>
             <a:r>
               <a:rPr lang="zh-CN" altLang="en-US" dirty="0" smtClean="0"/>
-              <a:t>年</a:t>
+              <a:t>年。</a:t>
             </a:r>
             <a:endParaRPr lang="en-US" altLang="zh-CN" dirty="0" smtClean="0"/>
           </a:p>
           <a:p>
             <a:r>
               <a:rPr lang="zh-CN" altLang="zh-CN" dirty="0" smtClean="0"/>
-              <a:t>计</a:t>
-            </a:r>
-            <a:r>
-              <a:rPr lang="zh-CN" altLang="zh-CN" dirty="0" smtClean="0"/>
-              <a:t>划发布</a:t>
+              <a:t>计划发布</a:t>
             </a:r>
             <a:r>
               <a:rPr lang="en-US" altLang="zh-CN" dirty="0" smtClean="0"/>
-              <a:t>&lt;=</a:t>
-            </a:r>
-            <a:r>
-              <a:rPr lang="en-US" altLang="zh-CN" dirty="0" smtClean="0"/>
-              <a:t>2</a:t>
+              <a:t>&lt;=2</a:t>
             </a:r>
             <a:r>
               <a:rPr lang="zh-CN" altLang="zh-CN" dirty="0"/>
@@ -32514,6 +35671,21 @@
             </a:r>
             <a:r>
               <a:rPr lang="zh-CN" altLang="zh-CN" dirty="0" smtClean="0"/>
+              <a:t>。</a:t>
+            </a:r>
+            <a:endParaRPr lang="en-US" altLang="zh-CN" dirty="0" smtClean="0"/>
+          </a:p>
+          <a:p>
+            <a:r>
+              <a:rPr lang="zh-CN" altLang="zh-CN" dirty="0"/>
+              <a:t>计划性发版不允许发生在业务高峰期，或者局方等特殊要求的时</a:t>
+            </a:r>
+            <a:r>
+              <a:rPr lang="zh-CN" altLang="zh-CN" dirty="0" smtClean="0"/>
+              <a:t>期</a:t>
+            </a:r>
+            <a:r>
+              <a:rPr lang="zh-CN" altLang="en-US" dirty="0" smtClean="0"/>
               <a:t>。</a:t>
             </a:r>
             <a:endParaRPr lang="en-US" altLang="zh-CN" dirty="0" smtClean="0"/>
@@ -32838,7 +36010,7 @@
   <a:extraClrSchemeLst/>
   <a:extLst>
     <a:ext uri="{05A4C25C-085E-4340-85A3-A5531E510DB2}">
-      <thm15:themeFamily xmlns="" xmlns:thm15="http://schemas.microsoft.com/office/thememl/2012/main" name="Office Theme" id="{62F939B6-93AF-4DB8-9C6B-D6C7DFDC589F}" vid="{4A3C46E8-61CC-4603-A589-7422A47A8E4A}"/>
+      <thm15:themeFamily xmlns:thm15="http://schemas.microsoft.com/office/thememl/2012/main" name="Office Theme" id="{62F939B6-93AF-4DB8-9C6B-D6C7DFDC589F}" vid="{4A3C46E8-61CC-4603-A589-7422A47A8E4A}"/>
     </a:ext>
   </a:extLst>
 </a:theme>
@@ -33099,7 +36271,7 @@
   <a:extraClrSchemeLst/>
   <a:extLst>
     <a:ext uri="{05A4C25C-085E-4340-85A3-A5531E510DB2}">
-      <thm15:themeFamily xmlns="" xmlns:thm15="http://schemas.microsoft.com/office/thememl/2012/main" name="Office Theme" id="{62F939B6-93AF-4DB8-9C6B-D6C7DFDC589F}" vid="{4A3C46E8-61CC-4603-A589-7422A47A8E4A}"/>
+      <thm15:themeFamily xmlns:thm15="http://schemas.microsoft.com/office/thememl/2012/main" name="Office Theme" id="{62F939B6-93AF-4DB8-9C6B-D6C7DFDC589F}" vid="{4A3C46E8-61CC-4603-A589-7422A47A8E4A}"/>
     </a:ext>
   </a:extLst>
 </a:theme>
@@ -33360,7 +36532,7 @@
   <a:extraClrSchemeLst/>
   <a:extLst>
     <a:ext uri="{05A4C25C-085E-4340-85A3-A5531E510DB2}">
-      <thm15:themeFamily xmlns="" xmlns:thm15="http://schemas.microsoft.com/office/thememl/2012/main" name="Office Theme" id="{62F939B6-93AF-4DB8-9C6B-D6C7DFDC589F}" vid="{4A3C46E8-61CC-4603-A589-7422A47A8E4A}"/>
+      <thm15:themeFamily xmlns:thm15="http://schemas.microsoft.com/office/thememl/2012/main" name="Office Theme" id="{62F939B6-93AF-4DB8-9C6B-D6C7DFDC589F}" vid="{4A3C46E8-61CC-4603-A589-7422A47A8E4A}"/>
     </a:ext>
   </a:extLst>
 </a:theme>
@@ -33621,7 +36793,7 @@
   <a:extraClrSchemeLst/>
   <a:extLst>
     <a:ext uri="{05A4C25C-085E-4340-85A3-A5531E510DB2}">
-      <thm15:themeFamily xmlns="" xmlns:thm15="http://schemas.microsoft.com/office/thememl/2012/main" name="Office Theme" id="{62F939B6-93AF-4DB8-9C6B-D6C7DFDC589F}" vid="{4A3C46E8-61CC-4603-A589-7422A47A8E4A}"/>
+      <thm15:themeFamily xmlns:thm15="http://schemas.microsoft.com/office/thememl/2012/main" name="Office Theme" id="{62F939B6-93AF-4DB8-9C6B-D6C7DFDC589F}" vid="{4A3C46E8-61CC-4603-A589-7422A47A8E4A}"/>
     </a:ext>
   </a:extLst>
 </a:theme>
@@ -33882,7 +37054,7 @@
   <a:extraClrSchemeLst/>
   <a:extLst>
     <a:ext uri="{05A4C25C-085E-4340-85A3-A5531E510DB2}">
-      <thm15:themeFamily xmlns="" xmlns:thm15="http://schemas.microsoft.com/office/thememl/2012/main" name="Office Theme" id="{62F939B6-93AF-4DB8-9C6B-D6C7DFDC589F}" vid="{4A3C46E8-61CC-4603-A589-7422A47A8E4A}"/>
+      <thm15:themeFamily xmlns:thm15="http://schemas.microsoft.com/office/thememl/2012/main" name="Office Theme" id="{62F939B6-93AF-4DB8-9C6B-D6C7DFDC589F}" vid="{4A3C46E8-61CC-4603-A589-7422A47A8E4A}"/>
     </a:ext>
   </a:extLst>
 </a:theme>
